--- a/lecture-slides/2019-10-21-oop.pptx
+++ b/lecture-slides/2019-10-21-oop.pptx
@@ -5,15 +5,22 @@
     <p:sldMasterId id="2147483648" r:id="rId1"/>
   </p:sldMasterIdLst>
   <p:notesMasterIdLst>
-    <p:notesMasterId r:id="rId8"/>
+    <p:notesMasterId r:id="rId15"/>
   </p:notesMasterIdLst>
   <p:sldIdLst>
     <p:sldId id="305" r:id="rId2"/>
-    <p:sldId id="492" r:id="rId3"/>
-    <p:sldId id="318" r:id="rId4"/>
-    <p:sldId id="635" r:id="rId5"/>
-    <p:sldId id="633" r:id="rId6"/>
-    <p:sldId id="613" r:id="rId7"/>
+    <p:sldId id="556" r:id="rId3"/>
+    <p:sldId id="290" r:id="rId4"/>
+    <p:sldId id="555" r:id="rId5"/>
+    <p:sldId id="486" r:id="rId6"/>
+    <p:sldId id="318" r:id="rId7"/>
+    <p:sldId id="634" r:id="rId8"/>
+    <p:sldId id="635" r:id="rId9"/>
+    <p:sldId id="558" r:id="rId10"/>
+    <p:sldId id="636" r:id="rId11"/>
+    <p:sldId id="579" r:id="rId12"/>
+    <p:sldId id="633" r:id="rId13"/>
+    <p:sldId id="613" r:id="rId14"/>
   </p:sldIdLst>
   <p:sldSz cx="12192000" cy="6858000"/>
   <p:notesSz cx="6858000" cy="9144000"/>
@@ -118,9 +125,16 @@
         <p14:section name="Default Section" id="{AC0D00C2-7C06-4709-B898-894AB1E9AF9C}">
           <p14:sldIdLst>
             <p14:sldId id="305"/>
-            <p14:sldId id="492"/>
+            <p14:sldId id="556"/>
+            <p14:sldId id="290"/>
+            <p14:sldId id="555"/>
+            <p14:sldId id="486"/>
             <p14:sldId id="318"/>
+            <p14:sldId id="634"/>
             <p14:sldId id="635"/>
+            <p14:sldId id="558"/>
+            <p14:sldId id="636"/>
+            <p14:sldId id="579"/>
             <p14:sldId id="633"/>
             <p14:sldId id="613"/>
           </p14:sldIdLst>
@@ -611,37 +625,37 @@
           <a:bodyPr/>
           <a:lstStyle/>
           <a:p>
+            <a:endParaRPr lang="en-US" sz="1000" dirty="0"/>
+          </a:p>
+        </p:txBody>
+      </p:sp>
+      <p:sp>
+        <p:nvSpPr>
+          <p:cNvPr id="4" name="Slide Number Placeholder 3"/>
+          <p:cNvSpPr>
+            <a:spLocks noGrp="1"/>
+          </p:cNvSpPr>
+          <p:nvPr>
+            <p:ph type="sldNum" sz="quarter" idx="10"/>
+          </p:nvPr>
+        </p:nvSpPr>
+        <p:spPr/>
+        <p:txBody>
+          <a:bodyPr/>
+          <a:lstStyle/>
+          <a:p>
+            <a:fld id="{5394DE12-7B9B-46AA-AC19-C30A49928B9B}" type="slidenum">
+              <a:rPr lang="en-US" smtClean="0"/>
+              <a:t>2</a:t>
+            </a:fld>
             <a:endParaRPr lang="en-US" dirty="0"/>
-          </a:p>
-        </p:txBody>
-      </p:sp>
-      <p:sp>
-        <p:nvSpPr>
-          <p:cNvPr id="4" name="Slide Number Placeholder 3"/>
-          <p:cNvSpPr>
-            <a:spLocks noGrp="1"/>
-          </p:cNvSpPr>
-          <p:nvPr>
-            <p:ph type="sldNum" sz="quarter" idx="5"/>
-          </p:nvPr>
-        </p:nvSpPr>
-        <p:spPr/>
-        <p:txBody>
-          <a:bodyPr/>
-          <a:lstStyle/>
-          <a:p>
-            <a:fld id="{35A4D32B-0177-4B34-AE20-6C72705619FE}" type="slidenum">
-              <a:rPr lang="en-US" smtClean="0"/>
-              <a:t>4</a:t>
-            </a:fld>
-            <a:endParaRPr lang="en-US"/>
           </a:p>
         </p:txBody>
       </p:sp>
     </p:spTree>
     <p:extLst>
       <p:ext uri="{BB962C8B-B14F-4D97-AF65-F5344CB8AC3E}">
-        <p14:creationId xmlns:p14="http://schemas.microsoft.com/office/powerpoint/2010/main" val="1066479827"/>
+        <p14:creationId xmlns:p14="http://schemas.microsoft.com/office/powerpoint/2010/main" val="139673835"/>
       </p:ext>
     </p:extLst>
   </p:cSld>
@@ -695,7 +709,7 @@
           <a:bodyPr/>
           <a:lstStyle/>
           <a:p>
-            <a:endParaRPr lang="en-US" sz="1000" dirty="0"/>
+            <a:endParaRPr lang="en-US" dirty="0"/>
           </a:p>
         </p:txBody>
       </p:sp>
@@ -714,18 +728,18 @@
           <a:bodyPr/>
           <a:lstStyle/>
           <a:p>
-            <a:fld id="{5394DE12-7B9B-46AA-AC19-C30A49928B9B}" type="slidenum">
+            <a:fld id="{23B99BB9-C7F6-43B3-A122-46088ABB36FB}" type="slidenum">
               <a:rPr lang="en-US" smtClean="0"/>
-              <a:t>5</a:t>
+              <a:t>3</a:t>
             </a:fld>
-            <a:endParaRPr lang="en-US" dirty="0"/>
+            <a:endParaRPr lang="en-US"/>
           </a:p>
         </p:txBody>
       </p:sp>
     </p:spTree>
     <p:extLst>
       <p:ext uri="{BB962C8B-B14F-4D97-AF65-F5344CB8AC3E}">
-        <p14:creationId xmlns:p14="http://schemas.microsoft.com/office/powerpoint/2010/main" val="1141426687"/>
+        <p14:creationId xmlns:p14="http://schemas.microsoft.com/office/powerpoint/2010/main" val="3194389185"/>
       </p:ext>
     </p:extLst>
   </p:cSld>
@@ -798,9 +812,441 @@
           <a:bodyPr/>
           <a:lstStyle/>
           <a:p>
+            <a:fld id="{23B99BB9-C7F6-43B3-A122-46088ABB36FB}" type="slidenum">
+              <a:rPr lang="en-US" smtClean="0"/>
+              <a:t>4</a:t>
+            </a:fld>
+            <a:endParaRPr lang="en-US"/>
+          </a:p>
+        </p:txBody>
+      </p:sp>
+    </p:spTree>
+    <p:extLst>
+      <p:ext uri="{BB962C8B-B14F-4D97-AF65-F5344CB8AC3E}">
+        <p14:creationId xmlns:p14="http://schemas.microsoft.com/office/powerpoint/2010/main" val="3239170908"/>
+      </p:ext>
+    </p:extLst>
+  </p:cSld>
+  <p:clrMapOvr>
+    <a:masterClrMapping/>
+  </p:clrMapOvr>
+</p:notes>
+</file>
+
+<file path=ppt/notesSlides/notesSlide5.xml><?xml version="1.0" encoding="utf-8"?>
+<p:notes xmlns:a="http://schemas.openxmlformats.org/drawingml/2006/main" xmlns:r="http://schemas.openxmlformats.org/officeDocument/2006/relationships" xmlns:p="http://schemas.openxmlformats.org/presentationml/2006/main">
+  <p:cSld>
+    <p:spTree>
+      <p:nvGrpSpPr>
+        <p:cNvPr id="1" name=""/>
+        <p:cNvGrpSpPr/>
+        <p:nvPr/>
+      </p:nvGrpSpPr>
+      <p:grpSpPr>
+        <a:xfrm>
+          <a:off x="0" y="0"/>
+          <a:ext cx="0" cy="0"/>
+          <a:chOff x="0" y="0"/>
+          <a:chExt cx="0" cy="0"/>
+        </a:xfrm>
+      </p:grpSpPr>
+      <p:sp>
+        <p:nvSpPr>
+          <p:cNvPr id="2" name="Slide Image Placeholder 1"/>
+          <p:cNvSpPr>
+            <a:spLocks noGrp="1" noRot="1" noChangeAspect="1"/>
+          </p:cNvSpPr>
+          <p:nvPr>
+            <p:ph type="sldImg"/>
+          </p:nvPr>
+        </p:nvSpPr>
+        <p:spPr/>
+      </p:sp>
+      <p:sp>
+        <p:nvSpPr>
+          <p:cNvPr id="3" name="Notes Placeholder 2"/>
+          <p:cNvSpPr>
+            <a:spLocks noGrp="1"/>
+          </p:cNvSpPr>
+          <p:nvPr>
+            <p:ph type="body" idx="1"/>
+          </p:nvPr>
+        </p:nvSpPr>
+        <p:spPr/>
+        <p:txBody>
+          <a:bodyPr/>
+          <a:lstStyle/>
+          <a:p>
+            <a:r>
+              <a:rPr lang="en-US" dirty="0"/>
+              <a:t>https://developer.mozilla.org/en-US/docs/Web/HTTP/CORS</a:t>
+            </a:r>
+          </a:p>
+          <a:p>
+            <a:endParaRPr lang="en-US" dirty="0"/>
+          </a:p>
+          <a:p>
+            <a:r>
+              <a:rPr lang="en-US" dirty="0"/>
+              <a:t>https://www.youtube.com/watch?v=o8puzjzpjqo</a:t>
+            </a:r>
+          </a:p>
+        </p:txBody>
+      </p:sp>
+      <p:sp>
+        <p:nvSpPr>
+          <p:cNvPr id="4" name="Slide Number Placeholder 3"/>
+          <p:cNvSpPr>
+            <a:spLocks noGrp="1"/>
+          </p:cNvSpPr>
+          <p:nvPr>
+            <p:ph type="sldNum" sz="quarter" idx="10"/>
+          </p:nvPr>
+        </p:nvSpPr>
+        <p:spPr/>
+        <p:txBody>
+          <a:bodyPr/>
+          <a:lstStyle/>
+          <a:p>
+            <a:fld id="{23B99BB9-C7F6-43B3-A122-46088ABB36FB}" type="slidenum">
+              <a:rPr lang="en-US" smtClean="0"/>
+              <a:t>5</a:t>
+            </a:fld>
+            <a:endParaRPr lang="en-US"/>
+          </a:p>
+        </p:txBody>
+      </p:sp>
+    </p:spTree>
+    <p:extLst>
+      <p:ext uri="{BB962C8B-B14F-4D97-AF65-F5344CB8AC3E}">
+        <p14:creationId xmlns:p14="http://schemas.microsoft.com/office/powerpoint/2010/main" val="2994647418"/>
+      </p:ext>
+    </p:extLst>
+  </p:cSld>
+  <p:clrMapOvr>
+    <a:masterClrMapping/>
+  </p:clrMapOvr>
+</p:notes>
+</file>
+
+<file path=ppt/notesSlides/notesSlide6.xml><?xml version="1.0" encoding="utf-8"?>
+<p:notes xmlns:a="http://schemas.openxmlformats.org/drawingml/2006/main" xmlns:r="http://schemas.openxmlformats.org/officeDocument/2006/relationships" xmlns:p="http://schemas.openxmlformats.org/presentationml/2006/main">
+  <p:cSld>
+    <p:spTree>
+      <p:nvGrpSpPr>
+        <p:cNvPr id="1" name=""/>
+        <p:cNvGrpSpPr/>
+        <p:nvPr/>
+      </p:nvGrpSpPr>
+      <p:grpSpPr>
+        <a:xfrm>
+          <a:off x="0" y="0"/>
+          <a:ext cx="0" cy="0"/>
+          <a:chOff x="0" y="0"/>
+          <a:chExt cx="0" cy="0"/>
+        </a:xfrm>
+      </p:grpSpPr>
+      <p:sp>
+        <p:nvSpPr>
+          <p:cNvPr id="2" name="Slide Image Placeholder 1"/>
+          <p:cNvSpPr>
+            <a:spLocks noGrp="1" noRot="1" noChangeAspect="1"/>
+          </p:cNvSpPr>
+          <p:nvPr>
+            <p:ph type="sldImg"/>
+          </p:nvPr>
+        </p:nvSpPr>
+        <p:spPr/>
+      </p:sp>
+      <p:sp>
+        <p:nvSpPr>
+          <p:cNvPr id="3" name="Notes Placeholder 2"/>
+          <p:cNvSpPr>
+            <a:spLocks noGrp="1"/>
+          </p:cNvSpPr>
+          <p:nvPr>
+            <p:ph type="body" idx="1"/>
+          </p:nvPr>
+        </p:nvSpPr>
+        <p:spPr/>
+        <p:txBody>
+          <a:bodyPr/>
+          <a:lstStyle/>
+          <a:p>
+            <a:endParaRPr lang="en-US" dirty="0"/>
+          </a:p>
+        </p:txBody>
+      </p:sp>
+      <p:sp>
+        <p:nvSpPr>
+          <p:cNvPr id="4" name="Slide Number Placeholder 3"/>
+          <p:cNvSpPr>
+            <a:spLocks noGrp="1"/>
+          </p:cNvSpPr>
+          <p:nvPr>
+            <p:ph type="sldNum" sz="quarter" idx="5"/>
+          </p:nvPr>
+        </p:nvSpPr>
+        <p:spPr/>
+        <p:txBody>
+          <a:bodyPr/>
+          <a:lstStyle/>
+          <a:p>
+            <a:fld id="{35A4D32B-0177-4B34-AE20-6C72705619FE}" type="slidenum">
+              <a:rPr lang="en-US" smtClean="0"/>
+              <a:t>8</a:t>
+            </a:fld>
+            <a:endParaRPr lang="en-US"/>
+          </a:p>
+        </p:txBody>
+      </p:sp>
+    </p:spTree>
+    <p:extLst>
+      <p:ext uri="{BB962C8B-B14F-4D97-AF65-F5344CB8AC3E}">
+        <p14:creationId xmlns:p14="http://schemas.microsoft.com/office/powerpoint/2010/main" val="1066479827"/>
+      </p:ext>
+    </p:extLst>
+  </p:cSld>
+  <p:clrMapOvr>
+    <a:masterClrMapping/>
+  </p:clrMapOvr>
+</p:notes>
+</file>
+
+<file path=ppt/notesSlides/notesSlide7.xml><?xml version="1.0" encoding="utf-8"?>
+<p:notes xmlns:a="http://schemas.openxmlformats.org/drawingml/2006/main" xmlns:r="http://schemas.openxmlformats.org/officeDocument/2006/relationships" xmlns:p="http://schemas.openxmlformats.org/presentationml/2006/main">
+  <p:cSld>
+    <p:spTree>
+      <p:nvGrpSpPr>
+        <p:cNvPr id="1" name=""/>
+        <p:cNvGrpSpPr/>
+        <p:nvPr/>
+      </p:nvGrpSpPr>
+      <p:grpSpPr>
+        <a:xfrm>
+          <a:off x="0" y="0"/>
+          <a:ext cx="0" cy="0"/>
+          <a:chOff x="0" y="0"/>
+          <a:chExt cx="0" cy="0"/>
+        </a:xfrm>
+      </p:grpSpPr>
+      <p:sp>
+        <p:nvSpPr>
+          <p:cNvPr id="2" name="Slide Image Placeholder 1"/>
+          <p:cNvSpPr>
+            <a:spLocks noGrp="1" noRot="1" noChangeAspect="1"/>
+          </p:cNvSpPr>
+          <p:nvPr>
+            <p:ph type="sldImg"/>
+          </p:nvPr>
+        </p:nvSpPr>
+        <p:spPr/>
+      </p:sp>
+      <p:sp>
+        <p:nvSpPr>
+          <p:cNvPr id="3" name="Notes Placeholder 2"/>
+          <p:cNvSpPr>
+            <a:spLocks noGrp="1"/>
+          </p:cNvSpPr>
+          <p:nvPr>
+            <p:ph type="body" idx="1"/>
+          </p:nvPr>
+        </p:nvSpPr>
+        <p:spPr/>
+        <p:txBody>
+          <a:bodyPr/>
+          <a:lstStyle/>
+          <a:p>
+            <a:endParaRPr lang="en-US" dirty="0"/>
+          </a:p>
+        </p:txBody>
+      </p:sp>
+      <p:sp>
+        <p:nvSpPr>
+          <p:cNvPr id="4" name="Slide Number Placeholder 3"/>
+          <p:cNvSpPr>
+            <a:spLocks noGrp="1"/>
+          </p:cNvSpPr>
+          <p:nvPr>
+            <p:ph type="sldNum" sz="quarter" idx="10"/>
+          </p:nvPr>
+        </p:nvSpPr>
+        <p:spPr/>
+        <p:txBody>
+          <a:bodyPr/>
+          <a:lstStyle/>
+          <a:p>
+            <a:fld id="{23B99BB9-C7F6-43B3-A122-46088ABB36FB}" type="slidenum">
+              <a:rPr lang="en-US" smtClean="0"/>
+              <a:t>11</a:t>
+            </a:fld>
+            <a:endParaRPr lang="en-US"/>
+          </a:p>
+        </p:txBody>
+      </p:sp>
+    </p:spTree>
+    <p:extLst>
+      <p:ext uri="{BB962C8B-B14F-4D97-AF65-F5344CB8AC3E}">
+        <p14:creationId xmlns:p14="http://schemas.microsoft.com/office/powerpoint/2010/main" val="2307181481"/>
+      </p:ext>
+    </p:extLst>
+  </p:cSld>
+  <p:clrMapOvr>
+    <a:masterClrMapping/>
+  </p:clrMapOvr>
+</p:notes>
+</file>
+
+<file path=ppt/notesSlides/notesSlide8.xml><?xml version="1.0" encoding="utf-8"?>
+<p:notes xmlns:a="http://schemas.openxmlformats.org/drawingml/2006/main" xmlns:r="http://schemas.openxmlformats.org/officeDocument/2006/relationships" xmlns:p="http://schemas.openxmlformats.org/presentationml/2006/main">
+  <p:cSld>
+    <p:spTree>
+      <p:nvGrpSpPr>
+        <p:cNvPr id="1" name=""/>
+        <p:cNvGrpSpPr/>
+        <p:nvPr/>
+      </p:nvGrpSpPr>
+      <p:grpSpPr>
+        <a:xfrm>
+          <a:off x="0" y="0"/>
+          <a:ext cx="0" cy="0"/>
+          <a:chOff x="0" y="0"/>
+          <a:chExt cx="0" cy="0"/>
+        </a:xfrm>
+      </p:grpSpPr>
+      <p:sp>
+        <p:nvSpPr>
+          <p:cNvPr id="2" name="Slide Image Placeholder 1"/>
+          <p:cNvSpPr>
+            <a:spLocks noGrp="1" noRot="1" noChangeAspect="1"/>
+          </p:cNvSpPr>
+          <p:nvPr>
+            <p:ph type="sldImg"/>
+          </p:nvPr>
+        </p:nvSpPr>
+        <p:spPr/>
+      </p:sp>
+      <p:sp>
+        <p:nvSpPr>
+          <p:cNvPr id="3" name="Notes Placeholder 2"/>
+          <p:cNvSpPr>
+            <a:spLocks noGrp="1"/>
+          </p:cNvSpPr>
+          <p:nvPr>
+            <p:ph type="body" idx="1"/>
+          </p:nvPr>
+        </p:nvSpPr>
+        <p:spPr/>
+        <p:txBody>
+          <a:bodyPr/>
+          <a:lstStyle/>
+          <a:p>
+            <a:endParaRPr lang="en-US" sz="1000" dirty="0"/>
+          </a:p>
+        </p:txBody>
+      </p:sp>
+      <p:sp>
+        <p:nvSpPr>
+          <p:cNvPr id="4" name="Slide Number Placeholder 3"/>
+          <p:cNvSpPr>
+            <a:spLocks noGrp="1"/>
+          </p:cNvSpPr>
+          <p:nvPr>
+            <p:ph type="sldNum" sz="quarter" idx="10"/>
+          </p:nvPr>
+        </p:nvSpPr>
+        <p:spPr/>
+        <p:txBody>
+          <a:bodyPr/>
+          <a:lstStyle/>
+          <a:p>
             <a:fld id="{5394DE12-7B9B-46AA-AC19-C30A49928B9B}" type="slidenum">
               <a:rPr lang="en-US" smtClean="0"/>
-              <a:t>6</a:t>
+              <a:t>12</a:t>
+            </a:fld>
+            <a:endParaRPr lang="en-US" dirty="0"/>
+          </a:p>
+        </p:txBody>
+      </p:sp>
+    </p:spTree>
+    <p:extLst>
+      <p:ext uri="{BB962C8B-B14F-4D97-AF65-F5344CB8AC3E}">
+        <p14:creationId xmlns:p14="http://schemas.microsoft.com/office/powerpoint/2010/main" val="1141426687"/>
+      </p:ext>
+    </p:extLst>
+  </p:cSld>
+  <p:clrMapOvr>
+    <a:masterClrMapping/>
+  </p:clrMapOvr>
+</p:notes>
+</file>
+
+<file path=ppt/notesSlides/notesSlide9.xml><?xml version="1.0" encoding="utf-8"?>
+<p:notes xmlns:a="http://schemas.openxmlformats.org/drawingml/2006/main" xmlns:r="http://schemas.openxmlformats.org/officeDocument/2006/relationships" xmlns:p="http://schemas.openxmlformats.org/presentationml/2006/main">
+  <p:cSld>
+    <p:spTree>
+      <p:nvGrpSpPr>
+        <p:cNvPr id="1" name=""/>
+        <p:cNvGrpSpPr/>
+        <p:nvPr/>
+      </p:nvGrpSpPr>
+      <p:grpSpPr>
+        <a:xfrm>
+          <a:off x="0" y="0"/>
+          <a:ext cx="0" cy="0"/>
+          <a:chOff x="0" y="0"/>
+          <a:chExt cx="0" cy="0"/>
+        </a:xfrm>
+      </p:grpSpPr>
+      <p:sp>
+        <p:nvSpPr>
+          <p:cNvPr id="2" name="Slide Image Placeholder 1"/>
+          <p:cNvSpPr>
+            <a:spLocks noGrp="1" noRot="1" noChangeAspect="1"/>
+          </p:cNvSpPr>
+          <p:nvPr>
+            <p:ph type="sldImg"/>
+          </p:nvPr>
+        </p:nvSpPr>
+        <p:spPr/>
+      </p:sp>
+      <p:sp>
+        <p:nvSpPr>
+          <p:cNvPr id="3" name="Notes Placeholder 2"/>
+          <p:cNvSpPr>
+            <a:spLocks noGrp="1"/>
+          </p:cNvSpPr>
+          <p:nvPr>
+            <p:ph type="body" idx="1"/>
+          </p:nvPr>
+        </p:nvSpPr>
+        <p:spPr/>
+        <p:txBody>
+          <a:bodyPr/>
+          <a:lstStyle/>
+          <a:p>
+            <a:endParaRPr lang="en-US" dirty="0"/>
+          </a:p>
+        </p:txBody>
+      </p:sp>
+      <p:sp>
+        <p:nvSpPr>
+          <p:cNvPr id="4" name="Slide Number Placeholder 3"/>
+          <p:cNvSpPr>
+            <a:spLocks noGrp="1"/>
+          </p:cNvSpPr>
+          <p:nvPr>
+            <p:ph type="sldNum" sz="quarter" idx="10"/>
+          </p:nvPr>
+        </p:nvSpPr>
+        <p:spPr/>
+        <p:txBody>
+          <a:bodyPr/>
+          <a:lstStyle/>
+          <a:p>
+            <a:fld id="{5394DE12-7B9B-46AA-AC19-C30A49928B9B}" type="slidenum">
+              <a:rPr lang="en-US" smtClean="0"/>
+              <a:t>13</a:t>
             </a:fld>
             <a:endParaRPr lang="en-US" dirty="0"/>
           </a:p>
@@ -4115,7 +4561,7 @@
             </a:pPr>
             <a:r>
               <a:rPr lang="en-US" sz="2000" dirty="0"/>
-              <a:t>Agenda for Monday, October 21</a:t>
+              <a:t>Monday, October 21</a:t>
             </a:r>
             <a:r>
               <a:rPr lang="en-US" sz="2000" baseline="30000" dirty="0"/>
@@ -4136,7 +4582,7 @@
             </a:pPr>
             <a:r>
               <a:rPr lang="en-US" sz="2000" dirty="0"/>
-              <a:t>Friendly Conversation Topic – CORS</a:t>
+              <a:t>Friendly Conversation Topic – Web Services, REST, and CORs</a:t>
             </a:r>
           </a:p>
           <a:p>
@@ -4201,7 +4647,7 @@
             </a:pPr>
             <a:r>
               <a:rPr lang="en-US" sz="2000" dirty="0"/>
-              <a:t>Sprint Retrospective </a:t>
+              <a:t>Assignment for Next Class</a:t>
             </a:r>
           </a:p>
           <a:p>
@@ -4214,7 +4660,7 @@
             </a:pPr>
             <a:r>
               <a:rPr lang="en-US" sz="2000" dirty="0"/>
-              <a:t>Assignment for Next Class</a:t>
+              <a:t>Recall Start, Stop, Continue</a:t>
             </a:r>
           </a:p>
           <a:p>
@@ -4290,6 +4736,560 @@
 </p:sld>
 </file>
 
+<file path=ppt/slides/slide10.xml><?xml version="1.0" encoding="utf-8"?>
+<p:sld xmlns:a="http://schemas.openxmlformats.org/drawingml/2006/main" xmlns:r="http://schemas.openxmlformats.org/officeDocument/2006/relationships" xmlns:p="http://schemas.openxmlformats.org/presentationml/2006/main">
+  <p:cSld>
+    <p:spTree>
+      <p:nvGrpSpPr>
+        <p:cNvPr id="1" name=""/>
+        <p:cNvGrpSpPr/>
+        <p:nvPr/>
+      </p:nvGrpSpPr>
+      <p:grpSpPr>
+        <a:xfrm>
+          <a:off x="0" y="0"/>
+          <a:ext cx="0" cy="0"/>
+          <a:chOff x="0" y="0"/>
+          <a:chExt cx="0" cy="0"/>
+        </a:xfrm>
+      </p:grpSpPr>
+      <p:sp>
+        <p:nvSpPr>
+          <p:cNvPr id="2" name="Title 1">
+            <a:extLst>
+              <a:ext uri="{FF2B5EF4-FFF2-40B4-BE49-F238E27FC236}">
+                <a16:creationId xmlns:a16="http://schemas.microsoft.com/office/drawing/2014/main" id="{2A5755BE-860E-40EB-ADA6-6E82BCB49EC3}"/>
+              </a:ext>
+            </a:extLst>
+          </p:cNvPr>
+          <p:cNvSpPr>
+            <a:spLocks noGrp="1"/>
+          </p:cNvSpPr>
+          <p:nvPr>
+            <p:ph type="title"/>
+          </p:nvPr>
+        </p:nvSpPr>
+        <p:spPr/>
+        <p:txBody>
+          <a:bodyPr/>
+          <a:lstStyle/>
+          <a:p>
+            <a:r>
+              <a:rPr lang="en-US" dirty="0"/>
+              <a:t>Assignment</a:t>
+            </a:r>
+          </a:p>
+        </p:txBody>
+      </p:sp>
+      <p:sp>
+        <p:nvSpPr>
+          <p:cNvPr id="3" name="Content Placeholder 2">
+            <a:extLst>
+              <a:ext uri="{FF2B5EF4-FFF2-40B4-BE49-F238E27FC236}">
+                <a16:creationId xmlns:a16="http://schemas.microsoft.com/office/drawing/2014/main" id="{72EF5DE0-5958-4171-A9E3-3D288A31AC3F}"/>
+              </a:ext>
+            </a:extLst>
+          </p:cNvPr>
+          <p:cNvSpPr>
+            <a:spLocks noGrp="1"/>
+          </p:cNvSpPr>
+          <p:nvPr>
+            <p:ph idx="1"/>
+          </p:nvPr>
+        </p:nvSpPr>
+        <p:spPr>
+          <a:xfrm>
+            <a:off x="838200" y="1654444"/>
+            <a:ext cx="10515600" cy="4522519"/>
+          </a:xfrm>
+        </p:spPr>
+        <p:txBody>
+          <a:bodyPr>
+            <a:normAutofit/>
+          </a:bodyPr>
+          <a:lstStyle/>
+          <a:p>
+            <a:pPr marL="0" indent="0">
+              <a:buNone/>
+            </a:pPr>
+            <a:r>
+              <a:rPr lang="en-US" sz="2000" dirty="0"/>
+              <a:t>All activities list items 1-3 prior to our next class.</a:t>
+            </a:r>
+          </a:p>
+          <a:p>
+            <a:pPr marL="0" indent="0">
+              <a:buNone/>
+            </a:pPr>
+            <a:r>
+              <a:rPr lang="en-US" sz="2000" dirty="0"/>
+              <a:t>Wednesday Demos</a:t>
+            </a:r>
+          </a:p>
+          <a:p>
+            <a:pPr marL="0" indent="0">
+              <a:buNone/>
+            </a:pPr>
+            <a:r>
+              <a:rPr lang="en-US" sz="2000" dirty="0"/>
+              <a:t>Friday Discussion Board </a:t>
+            </a:r>
+            <a:endParaRPr lang="en-US" dirty="0"/>
+          </a:p>
+        </p:txBody>
+      </p:sp>
+    </p:spTree>
+    <p:extLst>
+      <p:ext uri="{BB962C8B-B14F-4D97-AF65-F5344CB8AC3E}">
+        <p14:creationId xmlns:p14="http://schemas.microsoft.com/office/powerpoint/2010/main" val="2831104168"/>
+      </p:ext>
+    </p:extLst>
+  </p:cSld>
+  <p:clrMapOvr>
+    <a:masterClrMapping/>
+  </p:clrMapOvr>
+</p:sld>
+</file>
+
+<file path=ppt/slides/slide11.xml><?xml version="1.0" encoding="utf-8"?>
+<p:sld xmlns:a="http://schemas.openxmlformats.org/drawingml/2006/main" xmlns:r="http://schemas.openxmlformats.org/officeDocument/2006/relationships" xmlns:p="http://schemas.openxmlformats.org/presentationml/2006/main">
+  <p:cSld>
+    <p:spTree>
+      <p:nvGrpSpPr>
+        <p:cNvPr id="1" name=""/>
+        <p:cNvGrpSpPr/>
+        <p:nvPr/>
+      </p:nvGrpSpPr>
+      <p:grpSpPr>
+        <a:xfrm>
+          <a:off x="0" y="0"/>
+          <a:ext cx="0" cy="0"/>
+          <a:chOff x="0" y="0"/>
+          <a:chExt cx="0" cy="0"/>
+        </a:xfrm>
+      </p:grpSpPr>
+      <p:sp>
+        <p:nvSpPr>
+          <p:cNvPr id="4" name="Title 1">
+            <a:extLst>
+              <a:ext uri="{FF2B5EF4-FFF2-40B4-BE49-F238E27FC236}">
+                <a16:creationId xmlns:a16="http://schemas.microsoft.com/office/drawing/2014/main" id="{527CE47F-3EF6-48CA-9239-E8B6E5C6B41A}"/>
+              </a:ext>
+            </a:extLst>
+          </p:cNvPr>
+          <p:cNvSpPr>
+            <a:spLocks noGrp="1"/>
+          </p:cNvSpPr>
+          <p:nvPr>
+            <p:ph type="title"/>
+          </p:nvPr>
+        </p:nvSpPr>
+        <p:spPr>
+          <a:xfrm>
+            <a:off x="838200" y="365125"/>
+            <a:ext cx="10515600" cy="1325563"/>
+          </a:xfrm>
+        </p:spPr>
+        <p:txBody>
+          <a:bodyPr>
+            <a:normAutofit/>
+          </a:bodyPr>
+          <a:lstStyle/>
+          <a:p>
+            <a:r>
+              <a:rPr lang="en-US" sz="3600" dirty="0"/>
+              <a:t>Start, Stop, Continue Retrospective Feedback Model</a:t>
+            </a:r>
+          </a:p>
+        </p:txBody>
+      </p:sp>
+      <p:sp>
+        <p:nvSpPr>
+          <p:cNvPr id="5" name="Content Placeholder 2">
+            <a:extLst>
+              <a:ext uri="{FF2B5EF4-FFF2-40B4-BE49-F238E27FC236}">
+                <a16:creationId xmlns:a16="http://schemas.microsoft.com/office/drawing/2014/main" id="{E8F0EA9A-219C-40FD-AE36-784EE1B77D56}"/>
+              </a:ext>
+            </a:extLst>
+          </p:cNvPr>
+          <p:cNvSpPr>
+            <a:spLocks noGrp="1"/>
+          </p:cNvSpPr>
+          <p:nvPr>
+            <p:ph idx="1"/>
+          </p:nvPr>
+        </p:nvSpPr>
+        <p:spPr>
+          <a:xfrm>
+            <a:off x="838198" y="1690688"/>
+            <a:ext cx="10515601" cy="4486275"/>
+          </a:xfrm>
+        </p:spPr>
+        <p:txBody>
+          <a:bodyPr>
+            <a:normAutofit/>
+          </a:bodyPr>
+          <a:lstStyle/>
+          <a:p>
+            <a:pPr marL="0" indent="0">
+              <a:spcAft>
+                <a:spcPts val="600"/>
+              </a:spcAft>
+              <a:buNone/>
+            </a:pPr>
+            <a:r>
+              <a:rPr lang="en-US" sz="2000" b="1" u="sng" dirty="0"/>
+              <a:t>Continue</a:t>
+            </a:r>
+            <a:r>
+              <a:rPr lang="en-US" sz="2000" dirty="0"/>
+              <a:t>: What is working? Something that we should make sure that we continue to do. </a:t>
+            </a:r>
+          </a:p>
+          <a:p>
+            <a:pPr marL="0" indent="0">
+              <a:spcAft>
+                <a:spcPts val="600"/>
+              </a:spcAft>
+              <a:buNone/>
+            </a:pPr>
+            <a:r>
+              <a:rPr lang="en-US" sz="2000" b="1" u="sng" dirty="0"/>
+              <a:t>Start</a:t>
+            </a:r>
+            <a:r>
+              <a:rPr lang="en-US" sz="2000" dirty="0"/>
+              <a:t>: What is something that would be nice to do that we are not doing now? Maybe something that you have seen work well in other classes or with other teams. </a:t>
+            </a:r>
+          </a:p>
+          <a:p>
+            <a:pPr marL="0" indent="0">
+              <a:spcAft>
+                <a:spcPts val="600"/>
+              </a:spcAft>
+              <a:buNone/>
+            </a:pPr>
+            <a:r>
+              <a:rPr lang="en-US" sz="2000" b="1" u="sng" dirty="0"/>
+              <a:t>Stop</a:t>
+            </a:r>
+            <a:r>
+              <a:rPr lang="en-US" sz="2000" dirty="0"/>
+              <a:t>: What is not working? Something that we should stop doing. </a:t>
+            </a:r>
+          </a:p>
+        </p:txBody>
+      </p:sp>
+    </p:spTree>
+    <p:extLst>
+      <p:ext uri="{BB962C8B-B14F-4D97-AF65-F5344CB8AC3E}">
+        <p14:creationId xmlns:p14="http://schemas.microsoft.com/office/powerpoint/2010/main" val="2614693394"/>
+      </p:ext>
+    </p:extLst>
+  </p:cSld>
+  <p:clrMapOvr>
+    <a:masterClrMapping/>
+  </p:clrMapOvr>
+</p:sld>
+</file>
+
+<file path=ppt/slides/slide12.xml><?xml version="1.0" encoding="utf-8"?>
+<p:sld xmlns:a="http://schemas.openxmlformats.org/drawingml/2006/main" xmlns:r="http://schemas.openxmlformats.org/officeDocument/2006/relationships" xmlns:p="http://schemas.openxmlformats.org/presentationml/2006/main">
+  <p:cSld>
+    <p:spTree>
+      <p:nvGrpSpPr>
+        <p:cNvPr id="1" name=""/>
+        <p:cNvGrpSpPr/>
+        <p:nvPr/>
+      </p:nvGrpSpPr>
+      <p:grpSpPr>
+        <a:xfrm>
+          <a:off x="0" y="0"/>
+          <a:ext cx="0" cy="0"/>
+          <a:chOff x="0" y="0"/>
+          <a:chExt cx="0" cy="0"/>
+        </a:xfrm>
+      </p:grpSpPr>
+      <p:sp>
+        <p:nvSpPr>
+          <p:cNvPr id="2" name="Title 1"/>
+          <p:cNvSpPr>
+            <a:spLocks noGrp="1"/>
+          </p:cNvSpPr>
+          <p:nvPr>
+            <p:ph type="title"/>
+          </p:nvPr>
+        </p:nvSpPr>
+        <p:spPr>
+          <a:xfrm>
+            <a:off x="838200" y="365126"/>
+            <a:ext cx="10515600" cy="757272"/>
+          </a:xfrm>
+        </p:spPr>
+        <p:txBody>
+          <a:bodyPr>
+            <a:normAutofit/>
+          </a:bodyPr>
+          <a:lstStyle/>
+          <a:p>
+            <a:r>
+              <a:rPr lang="en-US" sz="3600" dirty="0"/>
+              <a:t>Lab</a:t>
+            </a:r>
+            <a:endParaRPr lang="en-US" sz="3600" b="1" i="1" u="sng" dirty="0"/>
+          </a:p>
+        </p:txBody>
+      </p:sp>
+      <p:sp>
+        <p:nvSpPr>
+          <p:cNvPr id="3" name="Content Placeholder 2"/>
+          <p:cNvSpPr>
+            <a:spLocks noGrp="1"/>
+          </p:cNvSpPr>
+          <p:nvPr>
+            <p:ph idx="1"/>
+          </p:nvPr>
+        </p:nvSpPr>
+        <p:spPr>
+          <a:xfrm>
+            <a:off x="838200" y="1122399"/>
+            <a:ext cx="10718950" cy="3104544"/>
+          </a:xfrm>
+        </p:spPr>
+        <p:txBody>
+          <a:bodyPr>
+            <a:normAutofit/>
+          </a:bodyPr>
+          <a:lstStyle/>
+          <a:p>
+            <a:pPr marL="0" indent="0">
+              <a:buNone/>
+            </a:pPr>
+            <a:r>
+              <a:rPr lang="en-US" sz="2000" dirty="0"/>
+              <a:t>As A Scrum Team:</a:t>
+            </a:r>
+          </a:p>
+          <a:p>
+            <a:pPr marL="457200" indent="-457200">
+              <a:buFont typeface="+mj-lt"/>
+              <a:buAutoNum type="arabicPeriod"/>
+            </a:pPr>
+            <a:r>
+              <a:rPr lang="en-US" sz="2000" dirty="0"/>
+              <a:t>Do we need a new Scrum Master?</a:t>
+            </a:r>
+          </a:p>
+          <a:p>
+            <a:pPr marL="457200" indent="-457200">
+              <a:buFont typeface="+mj-lt"/>
+              <a:buAutoNum type="arabicPeriod"/>
+            </a:pPr>
+            <a:r>
+              <a:rPr lang="en-US" sz="2000" dirty="0"/>
+              <a:t>Review Sprint 5 activities and assignments in detail</a:t>
+            </a:r>
+          </a:p>
+          <a:p>
+            <a:pPr marL="457200" indent="-457200">
+              <a:buFont typeface="+mj-lt"/>
+              <a:buAutoNum type="arabicPeriod"/>
+            </a:pPr>
+            <a:r>
+              <a:rPr lang="en-US" sz="2000" dirty="0"/>
+              <a:t>Complete Sprint 4 Retrospective utilizing Start, Stop, Continue methodology</a:t>
+            </a:r>
+          </a:p>
+          <a:p>
+            <a:pPr marL="457200" indent="-457200">
+              <a:buFont typeface="+mj-lt"/>
+              <a:buAutoNum type="arabicPeriod"/>
+            </a:pPr>
+            <a:r>
+              <a:rPr lang="en-US" sz="2000" dirty="0"/>
+              <a:t>Team report out by new Scrum Master at 2:46</a:t>
+            </a:r>
+          </a:p>
+          <a:p>
+            <a:pPr marL="0" indent="0">
+              <a:buNone/>
+            </a:pPr>
+            <a:endParaRPr lang="en-US" sz="2000" dirty="0"/>
+          </a:p>
+          <a:p>
+            <a:pPr marL="0" indent="0">
+              <a:buNone/>
+            </a:pPr>
+            <a:endParaRPr lang="en-US" sz="2000" dirty="0"/>
+          </a:p>
+          <a:p>
+            <a:pPr marL="0" indent="0">
+              <a:buNone/>
+            </a:pPr>
+            <a:endParaRPr lang="en-US" sz="2000" dirty="0"/>
+          </a:p>
+        </p:txBody>
+      </p:sp>
+      <p:sp>
+        <p:nvSpPr>
+          <p:cNvPr id="4" name="Rectangle 3">
+            <a:extLst>
+              <a:ext uri="{FF2B5EF4-FFF2-40B4-BE49-F238E27FC236}">
+                <a16:creationId xmlns:a16="http://schemas.microsoft.com/office/drawing/2014/main" id="{26BADDFD-9BE3-0244-AE69-52D2BB47696A}"/>
+              </a:ext>
+            </a:extLst>
+          </p:cNvPr>
+          <p:cNvSpPr/>
+          <p:nvPr/>
+        </p:nvSpPr>
+        <p:spPr>
+          <a:xfrm>
+            <a:off x="838200" y="4649423"/>
+            <a:ext cx="10515600" cy="1754326"/>
+          </a:xfrm>
+          <a:prstGeom prst="rect">
+            <a:avLst/>
+          </a:prstGeom>
+        </p:spPr>
+        <p:txBody>
+          <a:bodyPr wrap="square">
+            <a:spAutoFit/>
+          </a:bodyPr>
+          <a:lstStyle/>
+          <a:p>
+            <a:r>
+              <a:rPr lang="en-US" u="sng" dirty="0"/>
+              <a:t>Team Report Out Guidelines</a:t>
+            </a:r>
+          </a:p>
+          <a:p>
+            <a:r>
+              <a:rPr lang="en-US" dirty="0"/>
+              <a:t>Scrum Master will </a:t>
+            </a:r>
+            <a:r>
+              <a:rPr lang="en-US" u="sng" dirty="0"/>
+              <a:t>stand up, give your name, your team name</a:t>
+            </a:r>
+            <a:r>
+              <a:rPr lang="en-US" dirty="0"/>
+              <a:t>, and briefly answer the following questions:</a:t>
+            </a:r>
+          </a:p>
+          <a:p>
+            <a:pPr marL="514350" indent="-514350">
+              <a:buFont typeface="+mj-lt"/>
+              <a:buAutoNum type="alphaLcParenR"/>
+            </a:pPr>
+            <a:r>
+              <a:rPr lang="en-US" dirty="0"/>
+              <a:t>What did you accomplish since the last meeting? And what will you be working on until the next meeting?</a:t>
+            </a:r>
+          </a:p>
+          <a:p>
+            <a:pPr marL="514350" indent="-514350">
+              <a:buFont typeface="+mj-lt"/>
+              <a:buAutoNum type="alphaLcParenR"/>
+            </a:pPr>
+            <a:r>
+              <a:rPr lang="en-US" dirty="0"/>
+              <a:t>Is the team committed to completing assignments? All/Most/Some</a:t>
+            </a:r>
+          </a:p>
+          <a:p>
+            <a:pPr marL="514350" indent="-514350">
+              <a:buFont typeface="+mj-lt"/>
+              <a:buAutoNum type="alphaLcParenR"/>
+            </a:pPr>
+            <a:r>
+              <a:rPr lang="en-US" dirty="0"/>
+              <a:t>What is getting in your way or keeping you from completing the assignments?</a:t>
+            </a:r>
+          </a:p>
+        </p:txBody>
+      </p:sp>
+    </p:spTree>
+    <p:extLst>
+      <p:ext uri="{BB962C8B-B14F-4D97-AF65-F5344CB8AC3E}">
+        <p14:creationId xmlns:p14="http://schemas.microsoft.com/office/powerpoint/2010/main" val="1188632697"/>
+      </p:ext>
+    </p:extLst>
+  </p:cSld>
+  <p:clrMapOvr>
+    <a:masterClrMapping/>
+  </p:clrMapOvr>
+</p:sld>
+</file>
+
+<file path=ppt/slides/slide13.xml><?xml version="1.0" encoding="utf-8"?>
+<p:sld xmlns:a="http://schemas.openxmlformats.org/drawingml/2006/main" xmlns:r="http://schemas.openxmlformats.org/officeDocument/2006/relationships" xmlns:p="http://schemas.openxmlformats.org/presentationml/2006/main">
+  <p:cSld>
+    <p:bg>
+      <p:bgPr>
+        <a:solidFill>
+          <a:schemeClr val="bg1">
+            <a:lumMod val="85000"/>
+          </a:schemeClr>
+        </a:solidFill>
+        <a:effectLst/>
+      </p:bgPr>
+    </p:bg>
+    <p:spTree>
+      <p:nvGrpSpPr>
+        <p:cNvPr id="1" name=""/>
+        <p:cNvGrpSpPr/>
+        <p:nvPr/>
+      </p:nvGrpSpPr>
+      <p:grpSpPr>
+        <a:xfrm>
+          <a:off x="0" y="0"/>
+          <a:ext cx="0" cy="0"/>
+          <a:chOff x="0" y="0"/>
+          <a:chExt cx="0" cy="0"/>
+        </a:xfrm>
+      </p:grpSpPr>
+      <p:sp>
+        <p:nvSpPr>
+          <p:cNvPr id="2" name="Title 1"/>
+          <p:cNvSpPr>
+            <a:spLocks noGrp="1"/>
+          </p:cNvSpPr>
+          <p:nvPr>
+            <p:ph type="ctrTitle"/>
+          </p:nvPr>
+        </p:nvSpPr>
+        <p:spPr>
+          <a:xfrm>
+            <a:off x="1524000" y="3051480"/>
+            <a:ext cx="9144000" cy="755040"/>
+          </a:xfrm>
+        </p:spPr>
+        <p:txBody>
+          <a:bodyPr anchor="ctr">
+            <a:normAutofit/>
+          </a:bodyPr>
+          <a:lstStyle/>
+          <a:p>
+            <a:r>
+              <a:rPr lang="en-US" sz="4800" dirty="0"/>
+              <a:t>End of Session</a:t>
+            </a:r>
+          </a:p>
+        </p:txBody>
+      </p:sp>
+    </p:spTree>
+    <p:extLst>
+      <p:ext uri="{BB962C8B-B14F-4D97-AF65-F5344CB8AC3E}">
+        <p14:creationId xmlns:p14="http://schemas.microsoft.com/office/powerpoint/2010/main" val="3593438374"/>
+      </p:ext>
+    </p:extLst>
+  </p:cSld>
+  <p:clrMapOvr>
+    <a:masterClrMapping/>
+  </p:clrMapOvr>
+</p:sld>
+</file>
+
 <file path=ppt/slides/slide2.xml><?xml version="1.0" encoding="utf-8"?>
 <p:sld xmlns:a="http://schemas.openxmlformats.org/drawingml/2006/main" xmlns:r="http://schemas.openxmlformats.org/officeDocument/2006/relationships" xmlns:p="http://schemas.openxmlformats.org/presentationml/2006/main">
   <p:cSld>
@@ -4309,34 +5309,36 @@
       </p:grpSpPr>
       <p:sp>
         <p:nvSpPr>
-          <p:cNvPr id="2" name="Title 1">
-            <a:extLst>
-              <a:ext uri="{FF2B5EF4-FFF2-40B4-BE49-F238E27FC236}">
-                <a16:creationId xmlns:a16="http://schemas.microsoft.com/office/drawing/2014/main" id="{2A5755BE-860E-40EB-ADA6-6E82BCB49EC3}"/>
-              </a:ext>
-            </a:extLst>
-          </p:cNvPr>
-          <p:cNvSpPr>
-            <a:spLocks noGrp="1"/>
-          </p:cNvSpPr>
-          <p:nvPr>
-            <p:ph type="title"/>
+          <p:cNvPr id="2" name="Title 1"/>
+          <p:cNvSpPr>
+            <a:spLocks noGrp="1"/>
+          </p:cNvSpPr>
+          <p:nvPr>
+            <p:ph type="ctrTitle"/>
           </p:nvPr>
         </p:nvSpPr>
         <p:spPr>
           <a:xfrm>
-            <a:off x="838200" y="2766218"/>
-            <a:ext cx="10515600" cy="1325563"/>
+            <a:off x="1524000" y="3072434"/>
+            <a:ext cx="9144000" cy="713132"/>
           </a:xfrm>
         </p:spPr>
         <p:txBody>
-          <a:bodyPr/>
-          <a:lstStyle/>
-          <a:p>
-            <a:pPr algn="ctr"/>
-            <a:r>
-              <a:rPr lang="en-US" dirty="0"/>
-              <a:t>Friendly Conversation Topic - CORS</a:t>
+          <a:bodyPr anchor="ctr">
+            <a:noAutofit/>
+          </a:bodyPr>
+          <a:lstStyle/>
+          <a:p>
+            <a:r>
+              <a:rPr lang="en-US" sz="4000" dirty="0"/>
+              <a:t>Friendly Conversation Topic:</a:t>
+            </a:r>
+            <a:br>
+              <a:rPr lang="en-US" sz="4000" dirty="0"/>
+            </a:br>
+            <a:r>
+              <a:rPr lang="en-US" sz="4000" dirty="0"/>
+              <a:t>Web Services, REST, and CORs</a:t>
             </a:r>
           </a:p>
         </p:txBody>
@@ -4344,7 +5346,7 @@
     </p:spTree>
     <p:extLst>
       <p:ext uri="{BB962C8B-B14F-4D97-AF65-F5344CB8AC3E}">
-        <p14:creationId xmlns:p14="http://schemas.microsoft.com/office/powerpoint/2010/main" val="1247075053"/>
+        <p14:creationId xmlns:p14="http://schemas.microsoft.com/office/powerpoint/2010/main" val="2239139863"/>
       </p:ext>
     </p:extLst>
   </p:cSld>
@@ -4373,10 +5375,10 @@
       </p:grpSpPr>
       <p:sp>
         <p:nvSpPr>
-          <p:cNvPr id="2" name="Title 1">
-            <a:extLst>
-              <a:ext uri="{FF2B5EF4-FFF2-40B4-BE49-F238E27FC236}">
-                <a16:creationId xmlns:a16="http://schemas.microsoft.com/office/drawing/2014/main" id="{2A5755BE-860E-40EB-ADA6-6E82BCB49EC3}"/>
+          <p:cNvPr id="4" name="Title 1">
+            <a:extLst>
+              <a:ext uri="{FF2B5EF4-FFF2-40B4-BE49-F238E27FC236}">
+                <a16:creationId xmlns:a16="http://schemas.microsoft.com/office/drawing/2014/main" id="{527CE47F-3EF6-48CA-9239-E8B6E5C6B41A}"/>
               </a:ext>
             </a:extLst>
           </p:cNvPr>
@@ -4385,40 +5387,12 @@
           </p:cNvSpPr>
           <p:nvPr>
             <p:ph type="title"/>
-          </p:nvPr>
-        </p:nvSpPr>
-        <p:spPr/>
-        <p:txBody>
-          <a:bodyPr/>
-          <a:lstStyle/>
-          <a:p>
-            <a:r>
-              <a:rPr lang="en-US" dirty="0"/>
-              <a:t>Assignment</a:t>
-            </a:r>
-          </a:p>
-        </p:txBody>
-      </p:sp>
-      <p:sp>
-        <p:nvSpPr>
-          <p:cNvPr id="3" name="Content Placeholder 2">
-            <a:extLst>
-              <a:ext uri="{FF2B5EF4-FFF2-40B4-BE49-F238E27FC236}">
-                <a16:creationId xmlns:a16="http://schemas.microsoft.com/office/drawing/2014/main" id="{72EF5DE0-5958-4171-A9E3-3D288A31AC3F}"/>
-              </a:ext>
-            </a:extLst>
-          </p:cNvPr>
-          <p:cNvSpPr>
-            <a:spLocks noGrp="1"/>
-          </p:cNvSpPr>
-          <p:nvPr>
-            <p:ph idx="1"/>
           </p:nvPr>
         </p:nvSpPr>
         <p:spPr>
           <a:xfrm>
-            <a:off x="838200" y="1654444"/>
-            <a:ext cx="10515600" cy="4522519"/>
+            <a:off x="838200" y="365125"/>
+            <a:ext cx="10515600" cy="1325563"/>
           </a:xfrm>
         </p:spPr>
         <p:txBody>
@@ -4427,26 +5401,151 @@
           </a:bodyPr>
           <a:lstStyle/>
           <a:p>
-            <a:pPr marL="0" indent="0">
-              <a:buNone/>
-            </a:pPr>
-            <a:r>
-              <a:rPr lang="en-US" sz="2000" dirty="0"/>
-              <a:t>All sprint 4 activities and assignments need to be complete Sunday</a:t>
-            </a:r>
-          </a:p>
-          <a:p>
-            <a:pPr marL="0" indent="0">
-              <a:buNone/>
-            </a:pPr>
+            <a:r>
+              <a:rPr lang="en-US" sz="3600" dirty="0">
+                <a:latin typeface="+mn-lt"/>
+              </a:rPr>
+              <a:t>Web Services</a:t>
+            </a:r>
+          </a:p>
+        </p:txBody>
+      </p:sp>
+      <p:sp>
+        <p:nvSpPr>
+          <p:cNvPr id="3" name="Rectangle 2">
+            <a:extLst>
+              <a:ext uri="{FF2B5EF4-FFF2-40B4-BE49-F238E27FC236}">
+                <a16:creationId xmlns:a16="http://schemas.microsoft.com/office/drawing/2014/main" id="{6D4E1A95-16DC-4582-B3DE-CCF6667D032F}"/>
+              </a:ext>
+            </a:extLst>
+          </p:cNvPr>
+          <p:cNvSpPr/>
+          <p:nvPr/>
+        </p:nvSpPr>
+        <p:spPr>
+          <a:xfrm>
+            <a:off x="752475" y="1614309"/>
+            <a:ext cx="10515600" cy="2585323"/>
+          </a:xfrm>
+          <a:prstGeom prst="rect">
+            <a:avLst/>
+          </a:prstGeom>
+        </p:spPr>
+        <p:txBody>
+          <a:bodyPr wrap="square">
+            <a:spAutoFit/>
+          </a:bodyPr>
+          <a:lstStyle/>
+          <a:p>
+            <a:r>
+              <a:rPr lang="en-US" dirty="0"/>
+              <a:t>In a web service, the Web technology such as </a:t>
+            </a:r>
+            <a:r>
+              <a:rPr lang="en-US" dirty="0">
+                <a:hlinkClick r:id="rId3" tooltip="HTTP"/>
+              </a:rPr>
+              <a:t>HTTP</a:t>
+            </a:r>
+            <a:r>
+              <a:rPr lang="en-US" dirty="0"/>
+              <a:t>—originally designed for human-to-machine communication—is utilized for machine-to-machine communication, more specifically for transferring machine-readable file formats such as </a:t>
+            </a:r>
+            <a:r>
+              <a:rPr lang="en-US" dirty="0">
+                <a:hlinkClick r:id="rId4" tooltip="XML"/>
+              </a:rPr>
+              <a:t>XML</a:t>
+            </a:r>
+            <a:r>
+              <a:rPr lang="en-US" dirty="0"/>
+              <a:t> and </a:t>
+            </a:r>
+            <a:r>
+              <a:rPr lang="en-US" dirty="0">
+                <a:hlinkClick r:id="rId5" tooltip="JSON"/>
+              </a:rPr>
+              <a:t>JSON</a:t>
+            </a:r>
+            <a:r>
+              <a:rPr lang="en-US" dirty="0"/>
+              <a:t>.</a:t>
+            </a:r>
+          </a:p>
+          <a:p>
             <a:endParaRPr lang="en-US" dirty="0"/>
           </a:p>
-        </p:txBody>
-      </p:sp>
+          <a:p>
+            <a:r>
+              <a:rPr lang="en-US" dirty="0"/>
+              <a:t>In practice, a web service commonly provides an </a:t>
+            </a:r>
+            <a:r>
+              <a:rPr lang="en-US" dirty="0">
+                <a:hlinkClick r:id="rId6" tooltip="Object database"/>
+              </a:rPr>
+              <a:t>object-oriented</a:t>
+            </a:r>
+            <a:r>
+              <a:rPr lang="en-US" dirty="0"/>
+              <a:t> web-based interface to a database server, utilized for example by another web server, or by a </a:t>
+            </a:r>
+            <a:r>
+              <a:rPr lang="en-US" dirty="0">
+                <a:hlinkClick r:id="rId7" tooltip="Mobile app development"/>
+              </a:rPr>
+              <a:t>mobile app</a:t>
+            </a:r>
+            <a:r>
+              <a:rPr lang="en-US" dirty="0"/>
+              <a:t>, that provides a user interface to the end user. </a:t>
+            </a:r>
+          </a:p>
+          <a:p>
+            <a:endParaRPr lang="en-US" dirty="0"/>
+          </a:p>
+          <a:p>
+            <a:r>
+              <a:rPr lang="en-US" dirty="0"/>
+              <a:t>Many organizations that provide data in formatted HTML pages will also provide that data on their server as XML or JSON, often through a web service to allow syndication</a:t>
+            </a:r>
+          </a:p>
+        </p:txBody>
+      </p:sp>
+      <p:pic>
+        <p:nvPicPr>
+          <p:cNvPr id="6" name="Picture 5">
+            <a:extLst>
+              <a:ext uri="{FF2B5EF4-FFF2-40B4-BE49-F238E27FC236}">
+                <a16:creationId xmlns:a16="http://schemas.microsoft.com/office/drawing/2014/main" id="{2CE7C933-0F89-420D-9B13-0331165A1E50}"/>
+              </a:ext>
+            </a:extLst>
+          </p:cNvPr>
+          <p:cNvPicPr>
+            <a:picLocks noChangeAspect="1"/>
+          </p:cNvPicPr>
+          <p:nvPr/>
+        </p:nvPicPr>
+        <p:blipFill>
+          <a:blip r:embed="rId8"/>
+          <a:stretch>
+            <a:fillRect/>
+          </a:stretch>
+        </p:blipFill>
+        <p:spPr>
+          <a:xfrm>
+            <a:off x="10765403" y="59830"/>
+            <a:ext cx="1290389" cy="1420356"/>
+          </a:xfrm>
+          <a:prstGeom prst="rect">
+            <a:avLst/>
+          </a:prstGeom>
+        </p:spPr>
+      </p:pic>
     </p:spTree>
     <p:extLst>
       <p:ext uri="{BB962C8B-B14F-4D97-AF65-F5344CB8AC3E}">
-        <p14:creationId xmlns:p14="http://schemas.microsoft.com/office/powerpoint/2010/main" val="2800479032"/>
+        <p14:creationId xmlns:p14="http://schemas.microsoft.com/office/powerpoint/2010/main" val="1055204099"/>
       </p:ext>
     </p:extLst>
   </p:cSld>
@@ -4475,6 +5574,795 @@
       </p:grpSpPr>
       <p:sp>
         <p:nvSpPr>
+          <p:cNvPr id="4" name="Title 1">
+            <a:extLst>
+              <a:ext uri="{FF2B5EF4-FFF2-40B4-BE49-F238E27FC236}">
+                <a16:creationId xmlns:a16="http://schemas.microsoft.com/office/drawing/2014/main" id="{527CE47F-3EF6-48CA-9239-E8B6E5C6B41A}"/>
+              </a:ext>
+            </a:extLst>
+          </p:cNvPr>
+          <p:cNvSpPr>
+            <a:spLocks noGrp="1"/>
+          </p:cNvSpPr>
+          <p:nvPr>
+            <p:ph type="title"/>
+          </p:nvPr>
+        </p:nvSpPr>
+        <p:spPr>
+          <a:xfrm>
+            <a:off x="838200" y="365125"/>
+            <a:ext cx="10515600" cy="1325563"/>
+          </a:xfrm>
+        </p:spPr>
+        <p:txBody>
+          <a:bodyPr>
+            <a:normAutofit/>
+          </a:bodyPr>
+          <a:lstStyle/>
+          <a:p>
+            <a:r>
+              <a:rPr lang="en-US" sz="3600" dirty="0">
+                <a:latin typeface="+mn-lt"/>
+              </a:rPr>
+              <a:t>REST</a:t>
+            </a:r>
+          </a:p>
+        </p:txBody>
+      </p:sp>
+      <p:sp>
+        <p:nvSpPr>
+          <p:cNvPr id="3" name="Rectangle 2">
+            <a:extLst>
+              <a:ext uri="{FF2B5EF4-FFF2-40B4-BE49-F238E27FC236}">
+                <a16:creationId xmlns:a16="http://schemas.microsoft.com/office/drawing/2014/main" id="{6D4E1A95-16DC-4582-B3DE-CCF6667D032F}"/>
+              </a:ext>
+            </a:extLst>
+          </p:cNvPr>
+          <p:cNvSpPr/>
+          <p:nvPr/>
+        </p:nvSpPr>
+        <p:spPr>
+          <a:xfrm>
+            <a:off x="752475" y="1614309"/>
+            <a:ext cx="10515600" cy="4524315"/>
+          </a:xfrm>
+          <a:prstGeom prst="rect">
+            <a:avLst/>
+          </a:prstGeom>
+        </p:spPr>
+        <p:txBody>
+          <a:bodyPr wrap="square">
+            <a:spAutoFit/>
+          </a:bodyPr>
+          <a:lstStyle/>
+          <a:p>
+            <a:r>
+              <a:rPr lang="en-US" dirty="0"/>
+              <a:t>Representational State Transfer (REST) is an architectural style that defines a set of constraints and properties based on HTTP. Other kinds of web services, such as SOAP web services, expose their own arbitrary sets of operations.</a:t>
+            </a:r>
+          </a:p>
+          <a:p>
+            <a:endParaRPr lang="en-US" dirty="0"/>
+          </a:p>
+          <a:p>
+            <a:r>
+              <a:rPr lang="en-US" dirty="0"/>
+              <a:t>"Web resources" were first defined on the World Wide Web as documents or files identified by their URLs. However, today they have a much more generic and abstract definition that encompasses every thing or entity that can be identified, named, addressed, or handled, in any way whatsoever, on the web. In a RESTful web service, requests made to a resource's URI will elicit a response that may be in HTML, XML, JSON, or some other format. The response may confirm that some alteration has been made to the stored resource, and the response may provide hypertext links to other related resources or collections of resources. When HTTP is used, as is most common, the operations available are GET, POST, PUT, DELETE, and other predefined CRUD HTTP methods.</a:t>
+            </a:r>
+          </a:p>
+          <a:p>
+            <a:endParaRPr lang="en-US" dirty="0"/>
+          </a:p>
+          <a:p>
+            <a:r>
+              <a:rPr lang="en-US" dirty="0"/>
+              <a:t>By using a stateless protocol and standard operations, REST systems aim for fast performance, reliability, and the ability to grow, by re-using components that can be managed and updated without affecting the system as a whole, even while it is running.</a:t>
+            </a:r>
+          </a:p>
+        </p:txBody>
+      </p:sp>
+      <p:pic>
+        <p:nvPicPr>
+          <p:cNvPr id="6" name="Picture 5">
+            <a:extLst>
+              <a:ext uri="{FF2B5EF4-FFF2-40B4-BE49-F238E27FC236}">
+                <a16:creationId xmlns:a16="http://schemas.microsoft.com/office/drawing/2014/main" id="{2CE7C933-0F89-420D-9B13-0331165A1E50}"/>
+              </a:ext>
+            </a:extLst>
+          </p:cNvPr>
+          <p:cNvPicPr>
+            <a:picLocks noChangeAspect="1"/>
+          </p:cNvPicPr>
+          <p:nvPr/>
+        </p:nvPicPr>
+        <p:blipFill>
+          <a:blip r:embed="rId3"/>
+          <a:stretch>
+            <a:fillRect/>
+          </a:stretch>
+        </p:blipFill>
+        <p:spPr>
+          <a:xfrm>
+            <a:off x="10765403" y="59830"/>
+            <a:ext cx="1290389" cy="1420356"/>
+          </a:xfrm>
+          <a:prstGeom prst="rect">
+            <a:avLst/>
+          </a:prstGeom>
+        </p:spPr>
+      </p:pic>
+    </p:spTree>
+    <p:extLst>
+      <p:ext uri="{BB962C8B-B14F-4D97-AF65-F5344CB8AC3E}">
+        <p14:creationId xmlns:p14="http://schemas.microsoft.com/office/powerpoint/2010/main" val="1329381444"/>
+      </p:ext>
+    </p:extLst>
+  </p:cSld>
+  <p:clrMapOvr>
+    <a:masterClrMapping/>
+  </p:clrMapOvr>
+</p:sld>
+</file>
+
+<file path=ppt/slides/slide5.xml><?xml version="1.0" encoding="utf-8"?>
+<p:sld xmlns:a="http://schemas.openxmlformats.org/drawingml/2006/main" xmlns:r="http://schemas.openxmlformats.org/officeDocument/2006/relationships" xmlns:p="http://schemas.openxmlformats.org/presentationml/2006/main">
+  <p:cSld>
+    <p:spTree>
+      <p:nvGrpSpPr>
+        <p:cNvPr id="1" name=""/>
+        <p:cNvGrpSpPr/>
+        <p:nvPr/>
+      </p:nvGrpSpPr>
+      <p:grpSpPr>
+        <a:xfrm>
+          <a:off x="0" y="0"/>
+          <a:ext cx="0" cy="0"/>
+          <a:chOff x="0" y="0"/>
+          <a:chExt cx="0" cy="0"/>
+        </a:xfrm>
+      </p:grpSpPr>
+      <p:sp>
+        <p:nvSpPr>
+          <p:cNvPr id="4" name="Title 1">
+            <a:extLst>
+              <a:ext uri="{FF2B5EF4-FFF2-40B4-BE49-F238E27FC236}">
+                <a16:creationId xmlns:a16="http://schemas.microsoft.com/office/drawing/2014/main" id="{527CE47F-3EF6-48CA-9239-E8B6E5C6B41A}"/>
+              </a:ext>
+            </a:extLst>
+          </p:cNvPr>
+          <p:cNvSpPr>
+            <a:spLocks noGrp="1"/>
+          </p:cNvSpPr>
+          <p:nvPr>
+            <p:ph type="title"/>
+          </p:nvPr>
+        </p:nvSpPr>
+        <p:spPr>
+          <a:xfrm>
+            <a:off x="838200" y="365125"/>
+            <a:ext cx="10515600" cy="1325563"/>
+          </a:xfrm>
+        </p:spPr>
+        <p:txBody>
+          <a:bodyPr>
+            <a:normAutofit/>
+          </a:bodyPr>
+          <a:lstStyle/>
+          <a:p>
+            <a:r>
+              <a:rPr lang="en-US" sz="3600" dirty="0">
+                <a:latin typeface="+mn-lt"/>
+              </a:rPr>
+              <a:t>CORS</a:t>
+            </a:r>
+          </a:p>
+        </p:txBody>
+      </p:sp>
+      <p:sp>
+        <p:nvSpPr>
+          <p:cNvPr id="3" name="Rectangle 2">
+            <a:extLst>
+              <a:ext uri="{FF2B5EF4-FFF2-40B4-BE49-F238E27FC236}">
+                <a16:creationId xmlns:a16="http://schemas.microsoft.com/office/drawing/2014/main" id="{6D4E1A95-16DC-4582-B3DE-CCF6667D032F}"/>
+              </a:ext>
+            </a:extLst>
+          </p:cNvPr>
+          <p:cNvSpPr/>
+          <p:nvPr/>
+        </p:nvSpPr>
+        <p:spPr>
+          <a:xfrm>
+            <a:off x="752475" y="1614309"/>
+            <a:ext cx="10515600" cy="3416320"/>
+          </a:xfrm>
+          <a:prstGeom prst="rect">
+            <a:avLst/>
+          </a:prstGeom>
+        </p:spPr>
+        <p:txBody>
+          <a:bodyPr wrap="square">
+            <a:spAutoFit/>
+          </a:bodyPr>
+          <a:lstStyle/>
+          <a:p>
+            <a:r>
+              <a:rPr lang="en-US" dirty="0"/>
+              <a:t>Cross-Origin Resource Sharing (CORS):  CORS is a mechanism that uses additional HTTP headers to tell a browser to let a web application running at one origin (domain) have permission to access selected resources from a server at a different origin. A web application makes a cross-origin HTTP request when it requests a resource that has a different origin (domain, protocol, and port) than its own origin.</a:t>
+            </a:r>
+          </a:p>
+          <a:p>
+            <a:endParaRPr lang="en-US" dirty="0"/>
+          </a:p>
+          <a:p>
+            <a:r>
+              <a:rPr lang="en-US" dirty="0"/>
+              <a:t>An example of a cross-origin request: The frontend JavaScript code for a web application served from http://domain-a.com uses XMLHttpRequest to make a request for http://api.domain-b.com/data.json.</a:t>
+            </a:r>
+          </a:p>
+          <a:p>
+            <a:endParaRPr lang="en-US" dirty="0"/>
+          </a:p>
+          <a:p>
+            <a:r>
+              <a:rPr lang="en-US" dirty="0"/>
+              <a:t>For security reasons, browsers restrict cross-origin HTTP requests initiated from within scripts. For example, XMLHttpRequest and the Fetch API follow the same-origin policy. This means that a web application using those APIs can only request HTTP resources from the same origin the application was loaded from, unless the response from the other origin includes the right CORS headers.</a:t>
+            </a:r>
+          </a:p>
+        </p:txBody>
+      </p:sp>
+      <p:pic>
+        <p:nvPicPr>
+          <p:cNvPr id="5" name="Picture 4">
+            <a:extLst>
+              <a:ext uri="{FF2B5EF4-FFF2-40B4-BE49-F238E27FC236}">
+                <a16:creationId xmlns:a16="http://schemas.microsoft.com/office/drawing/2014/main" id="{3CB0D461-4881-45C7-9099-259B95A43E58}"/>
+              </a:ext>
+            </a:extLst>
+          </p:cNvPr>
+          <p:cNvPicPr>
+            <a:picLocks noChangeAspect="1"/>
+          </p:cNvPicPr>
+          <p:nvPr/>
+        </p:nvPicPr>
+        <p:blipFill>
+          <a:blip r:embed="rId3"/>
+          <a:stretch>
+            <a:fillRect/>
+          </a:stretch>
+        </p:blipFill>
+        <p:spPr>
+          <a:xfrm>
+            <a:off x="9646215" y="547262"/>
+            <a:ext cx="2238375" cy="609600"/>
+          </a:xfrm>
+          <a:prstGeom prst="rect">
+            <a:avLst/>
+          </a:prstGeom>
+        </p:spPr>
+      </p:pic>
+      <p:pic>
+        <p:nvPicPr>
+          <p:cNvPr id="2" name="Picture 1">
+            <a:extLst>
+              <a:ext uri="{FF2B5EF4-FFF2-40B4-BE49-F238E27FC236}">
+                <a16:creationId xmlns:a16="http://schemas.microsoft.com/office/drawing/2014/main" id="{125CC2C7-E434-40A3-ADC3-A814645705BF}"/>
+              </a:ext>
+            </a:extLst>
+          </p:cNvPr>
+          <p:cNvPicPr>
+            <a:picLocks noChangeAspect="1"/>
+          </p:cNvPicPr>
+          <p:nvPr/>
+        </p:nvPicPr>
+        <p:blipFill>
+          <a:blip r:embed="rId4"/>
+          <a:stretch>
+            <a:fillRect/>
+          </a:stretch>
+        </p:blipFill>
+        <p:spPr>
+          <a:xfrm>
+            <a:off x="5919977" y="5708313"/>
+            <a:ext cx="5348098" cy="784562"/>
+          </a:xfrm>
+          <a:prstGeom prst="rect">
+            <a:avLst/>
+          </a:prstGeom>
+          <a:ln w="12700">
+            <a:solidFill>
+              <a:schemeClr val="tx1"/>
+            </a:solidFill>
+          </a:ln>
+        </p:spPr>
+      </p:pic>
+    </p:spTree>
+    <p:extLst>
+      <p:ext uri="{BB962C8B-B14F-4D97-AF65-F5344CB8AC3E}">
+        <p14:creationId xmlns:p14="http://schemas.microsoft.com/office/powerpoint/2010/main" val="2557805396"/>
+      </p:ext>
+    </p:extLst>
+  </p:cSld>
+  <p:clrMapOvr>
+    <a:masterClrMapping/>
+  </p:clrMapOvr>
+  <p:timing>
+    <p:tnLst>
+      <p:par>
+        <p:cTn id="1" dur="indefinite" restart="never" nodeType="tmRoot">
+          <p:childTnLst>
+            <p:seq concurrent="1" nextAc="seek">
+              <p:cTn id="2" dur="indefinite" nodeType="mainSeq">
+                <p:childTnLst>
+                  <p:par>
+                    <p:cTn id="3" fill="hold">
+                      <p:stCondLst>
+                        <p:cond delay="indefinite"/>
+                      </p:stCondLst>
+                      <p:childTnLst>
+                        <p:par>
+                          <p:cTn id="4" fill="hold">
+                            <p:stCondLst>
+                              <p:cond delay="0"/>
+                            </p:stCondLst>
+                            <p:childTnLst>
+                              <p:par>
+                                <p:cTn id="5" presetID="2" presetClass="entr" presetSubtype="4" fill="hold" nodeType="clickEffect">
+                                  <p:stCondLst>
+                                    <p:cond delay="0"/>
+                                  </p:stCondLst>
+                                  <p:childTnLst>
+                                    <p:set>
+                                      <p:cBhvr>
+                                        <p:cTn id="6" dur="1" fill="hold">
+                                          <p:stCondLst>
+                                            <p:cond delay="0"/>
+                                          </p:stCondLst>
+                                        </p:cTn>
+                                        <p:tgtEl>
+                                          <p:spTgt spid="2"/>
+                                        </p:tgtEl>
+                                        <p:attrNameLst>
+                                          <p:attrName>style.visibility</p:attrName>
+                                        </p:attrNameLst>
+                                      </p:cBhvr>
+                                      <p:to>
+                                        <p:strVal val="visible"/>
+                                      </p:to>
+                                    </p:set>
+                                    <p:anim calcmode="lin" valueType="num">
+                                      <p:cBhvr additive="base">
+                                        <p:cTn id="7" dur="500" fill="hold"/>
+                                        <p:tgtEl>
+                                          <p:spTgt spid="2"/>
+                                        </p:tgtEl>
+                                        <p:attrNameLst>
+                                          <p:attrName>ppt_x</p:attrName>
+                                        </p:attrNameLst>
+                                      </p:cBhvr>
+                                      <p:tavLst>
+                                        <p:tav tm="0">
+                                          <p:val>
+                                            <p:strVal val="#ppt_x"/>
+                                          </p:val>
+                                        </p:tav>
+                                        <p:tav tm="100000">
+                                          <p:val>
+                                            <p:strVal val="#ppt_x"/>
+                                          </p:val>
+                                        </p:tav>
+                                      </p:tavLst>
+                                    </p:anim>
+                                    <p:anim calcmode="lin" valueType="num">
+                                      <p:cBhvr additive="base">
+                                        <p:cTn id="8" dur="500" fill="hold"/>
+                                        <p:tgtEl>
+                                          <p:spTgt spid="2"/>
+                                        </p:tgtEl>
+                                        <p:attrNameLst>
+                                          <p:attrName>ppt_y</p:attrName>
+                                        </p:attrNameLst>
+                                      </p:cBhvr>
+                                      <p:tavLst>
+                                        <p:tav tm="0">
+                                          <p:val>
+                                            <p:strVal val="1+#ppt_h/2"/>
+                                          </p:val>
+                                        </p:tav>
+                                        <p:tav tm="100000">
+                                          <p:val>
+                                            <p:strVal val="#ppt_y"/>
+                                          </p:val>
+                                        </p:tav>
+                                      </p:tavLst>
+                                    </p:anim>
+                                  </p:childTnLst>
+                                </p:cTn>
+                              </p:par>
+                            </p:childTnLst>
+                          </p:cTn>
+                        </p:par>
+                      </p:childTnLst>
+                    </p:cTn>
+                  </p:par>
+                </p:childTnLst>
+              </p:cTn>
+              <p:prevCondLst>
+                <p:cond evt="onPrev" delay="0">
+                  <p:tgtEl>
+                    <p:sldTgt/>
+                  </p:tgtEl>
+                </p:cond>
+              </p:prevCondLst>
+              <p:nextCondLst>
+                <p:cond evt="onNext" delay="0">
+                  <p:tgtEl>
+                    <p:sldTgt/>
+                  </p:tgtEl>
+                </p:cond>
+              </p:nextCondLst>
+            </p:seq>
+          </p:childTnLst>
+        </p:cTn>
+      </p:par>
+    </p:tnLst>
+  </p:timing>
+</p:sld>
+</file>
+
+<file path=ppt/slides/slide6.xml><?xml version="1.0" encoding="utf-8"?>
+<p:sld xmlns:a="http://schemas.openxmlformats.org/drawingml/2006/main" xmlns:r="http://schemas.openxmlformats.org/officeDocument/2006/relationships" xmlns:p="http://schemas.openxmlformats.org/presentationml/2006/main">
+  <p:cSld>
+    <p:spTree>
+      <p:nvGrpSpPr>
+        <p:cNvPr id="1" name=""/>
+        <p:cNvGrpSpPr/>
+        <p:nvPr/>
+      </p:nvGrpSpPr>
+      <p:grpSpPr>
+        <a:xfrm>
+          <a:off x="0" y="0"/>
+          <a:ext cx="0" cy="0"/>
+          <a:chOff x="0" y="0"/>
+          <a:chExt cx="0" cy="0"/>
+        </a:xfrm>
+      </p:grpSpPr>
+      <p:sp>
+        <p:nvSpPr>
+          <p:cNvPr id="2" name="Title 1">
+            <a:extLst>
+              <a:ext uri="{FF2B5EF4-FFF2-40B4-BE49-F238E27FC236}">
+                <a16:creationId xmlns:a16="http://schemas.microsoft.com/office/drawing/2014/main" id="{2A5755BE-860E-40EB-ADA6-6E82BCB49EC3}"/>
+              </a:ext>
+            </a:extLst>
+          </p:cNvPr>
+          <p:cNvSpPr>
+            <a:spLocks noGrp="1"/>
+          </p:cNvSpPr>
+          <p:nvPr>
+            <p:ph type="title"/>
+          </p:nvPr>
+        </p:nvSpPr>
+        <p:spPr/>
+        <p:txBody>
+          <a:bodyPr/>
+          <a:lstStyle/>
+          <a:p>
+            <a:r>
+              <a:rPr lang="en-US" dirty="0"/>
+              <a:t>Assignment</a:t>
+            </a:r>
+          </a:p>
+        </p:txBody>
+      </p:sp>
+      <p:sp>
+        <p:nvSpPr>
+          <p:cNvPr id="3" name="Content Placeholder 2">
+            <a:extLst>
+              <a:ext uri="{FF2B5EF4-FFF2-40B4-BE49-F238E27FC236}">
+                <a16:creationId xmlns:a16="http://schemas.microsoft.com/office/drawing/2014/main" id="{72EF5DE0-5958-4171-A9E3-3D288A31AC3F}"/>
+              </a:ext>
+            </a:extLst>
+          </p:cNvPr>
+          <p:cNvSpPr>
+            <a:spLocks noGrp="1"/>
+          </p:cNvSpPr>
+          <p:nvPr>
+            <p:ph idx="1"/>
+          </p:nvPr>
+        </p:nvSpPr>
+        <p:spPr>
+          <a:xfrm>
+            <a:off x="838200" y="1654444"/>
+            <a:ext cx="10515600" cy="4522519"/>
+          </a:xfrm>
+        </p:spPr>
+        <p:txBody>
+          <a:bodyPr>
+            <a:normAutofit/>
+          </a:bodyPr>
+          <a:lstStyle/>
+          <a:p>
+            <a:pPr marL="0" indent="0">
+              <a:buNone/>
+            </a:pPr>
+            <a:r>
+              <a:rPr lang="en-US" sz="2000" dirty="0"/>
+              <a:t>All sprint 4 activities and assignments need to be complete Sunday</a:t>
+            </a:r>
+          </a:p>
+          <a:p>
+            <a:pPr marL="0" indent="0">
+              <a:buNone/>
+            </a:pPr>
+            <a:endParaRPr lang="en-US" dirty="0"/>
+          </a:p>
+        </p:txBody>
+      </p:sp>
+    </p:spTree>
+    <p:extLst>
+      <p:ext uri="{BB962C8B-B14F-4D97-AF65-F5344CB8AC3E}">
+        <p14:creationId xmlns:p14="http://schemas.microsoft.com/office/powerpoint/2010/main" val="2800479032"/>
+      </p:ext>
+    </p:extLst>
+  </p:cSld>
+  <p:clrMapOvr>
+    <a:masterClrMapping/>
+  </p:clrMapOvr>
+</p:sld>
+</file>
+
+<file path=ppt/slides/slide7.xml><?xml version="1.0" encoding="utf-8"?>
+<p:sld xmlns:a="http://schemas.openxmlformats.org/drawingml/2006/main" xmlns:r="http://schemas.openxmlformats.org/officeDocument/2006/relationships" xmlns:p="http://schemas.openxmlformats.org/presentationml/2006/main">
+  <p:cSld>
+    <p:spTree>
+      <p:nvGrpSpPr>
+        <p:cNvPr id="1" name=""/>
+        <p:cNvGrpSpPr/>
+        <p:nvPr/>
+      </p:nvGrpSpPr>
+      <p:grpSpPr>
+        <a:xfrm>
+          <a:off x="0" y="0"/>
+          <a:ext cx="0" cy="0"/>
+          <a:chOff x="0" y="0"/>
+          <a:chExt cx="0" cy="0"/>
+        </a:xfrm>
+      </p:grpSpPr>
+      <p:graphicFrame>
+        <p:nvGraphicFramePr>
+          <p:cNvPr id="2" name="Object 1">
+            <a:extLst>
+              <a:ext uri="{FF2B5EF4-FFF2-40B4-BE49-F238E27FC236}">
+                <a16:creationId xmlns:a16="http://schemas.microsoft.com/office/drawing/2014/main" id="{FE608CC4-214A-48B7-B219-A6B37DD5CCC7}"/>
+              </a:ext>
+            </a:extLst>
+          </p:cNvPr>
+          <p:cNvGraphicFramePr>
+            <a:graphicFrameLocks noChangeAspect="1"/>
+          </p:cNvGraphicFramePr>
+          <p:nvPr/>
+        </p:nvGraphicFramePr>
+        <p:xfrm>
+          <a:off x="2994025" y="441325"/>
+          <a:ext cx="6205538" cy="5975350"/>
+        </p:xfrm>
+        <a:graphic>
+          <a:graphicData uri="http://schemas.openxmlformats.org/presentationml/2006/ole">
+            <mc:AlternateContent xmlns:mc="http://schemas.openxmlformats.org/markup-compatibility/2006">
+              <mc:Choice xmlns:v="urn:schemas-microsoft-com:vml" Requires="v">
+                <p:oleObj spid="_x0000_s2054" name="Worksheet" r:id="rId3" imgW="7289800" imgH="7023100" progId="Excel.Sheet.12">
+                  <p:embed/>
+                </p:oleObj>
+              </mc:Choice>
+              <mc:Fallback>
+                <p:oleObj name="Worksheet" r:id="rId3" imgW="7289800" imgH="7023100" progId="Excel.Sheet.12">
+                  <p:embed/>
+                  <p:pic>
+                    <p:nvPicPr>
+                      <p:cNvPr id="2" name="Object 1">
+                        <a:extLst>
+                          <a:ext uri="{FF2B5EF4-FFF2-40B4-BE49-F238E27FC236}">
+                            <a16:creationId xmlns:a16="http://schemas.microsoft.com/office/drawing/2014/main" id="{FE608CC4-214A-48B7-B219-A6B37DD5CCC7}"/>
+                          </a:ext>
+                        </a:extLst>
+                      </p:cNvPr>
+                      <p:cNvPicPr/>
+                      <p:nvPr/>
+                    </p:nvPicPr>
+                    <p:blipFill>
+                      <a:blip r:embed="rId4"/>
+                      <a:stretch>
+                        <a:fillRect/>
+                      </a:stretch>
+                    </p:blipFill>
+                    <p:spPr>
+                      <a:xfrm>
+                        <a:off x="2994025" y="441325"/>
+                        <a:ext cx="6205538" cy="5975350"/>
+                      </a:xfrm>
+                      <a:prstGeom prst="rect">
+                        <a:avLst/>
+                      </a:prstGeom>
+                    </p:spPr>
+                  </p:pic>
+                </p:oleObj>
+              </mc:Fallback>
+            </mc:AlternateContent>
+          </a:graphicData>
+        </a:graphic>
+      </p:graphicFrame>
+      <p:sp>
+        <p:nvSpPr>
+          <p:cNvPr id="3" name="Rectangle 2">
+            <a:extLst>
+              <a:ext uri="{FF2B5EF4-FFF2-40B4-BE49-F238E27FC236}">
+                <a16:creationId xmlns:a16="http://schemas.microsoft.com/office/drawing/2014/main" id="{950932F7-C8C1-F04A-B5A7-9EF956047090}"/>
+              </a:ext>
+            </a:extLst>
+          </p:cNvPr>
+          <p:cNvSpPr/>
+          <p:nvPr/>
+        </p:nvSpPr>
+        <p:spPr>
+          <a:xfrm>
+            <a:off x="3487996" y="1874520"/>
+            <a:ext cx="4556415" cy="1463040"/>
+          </a:xfrm>
+          <a:prstGeom prst="rect">
+            <a:avLst/>
+          </a:prstGeom>
+          <a:noFill/>
+          <a:ln w="25400">
+            <a:solidFill>
+              <a:schemeClr val="accent6">
+                <a:lumMod val="75000"/>
+              </a:schemeClr>
+            </a:solidFill>
+          </a:ln>
+        </p:spPr>
+        <p:style>
+          <a:lnRef idx="2">
+            <a:schemeClr val="accent1">
+              <a:shade val="50000"/>
+            </a:schemeClr>
+          </a:lnRef>
+          <a:fillRef idx="1">
+            <a:schemeClr val="accent1"/>
+          </a:fillRef>
+          <a:effectRef idx="0">
+            <a:schemeClr val="accent1"/>
+          </a:effectRef>
+          <a:fontRef idx="minor">
+            <a:schemeClr val="lt1"/>
+          </a:fontRef>
+        </p:style>
+        <p:txBody>
+          <a:bodyPr rtlCol="0" anchor="ctr"/>
+          <a:lstStyle/>
+          <a:p>
+            <a:pPr algn="ctr"/>
+            <a:endParaRPr lang="en-US"/>
+          </a:p>
+        </p:txBody>
+      </p:sp>
+    </p:spTree>
+    <p:extLst>
+      <p:ext uri="{BB962C8B-B14F-4D97-AF65-F5344CB8AC3E}">
+        <p14:creationId xmlns:p14="http://schemas.microsoft.com/office/powerpoint/2010/main" val="726440080"/>
+      </p:ext>
+    </p:extLst>
+  </p:cSld>
+  <p:clrMapOvr>
+    <a:masterClrMapping/>
+  </p:clrMapOvr>
+  <p:timing>
+    <p:tnLst>
+      <p:par>
+        <p:cTn id="1" dur="indefinite" restart="never" nodeType="tmRoot">
+          <p:childTnLst>
+            <p:seq concurrent="1" nextAc="seek">
+              <p:cTn id="2" dur="indefinite" nodeType="mainSeq">
+                <p:childTnLst>
+                  <p:par>
+                    <p:cTn id="3" fill="hold">
+                      <p:stCondLst>
+                        <p:cond delay="indefinite"/>
+                      </p:stCondLst>
+                      <p:childTnLst>
+                        <p:par>
+                          <p:cTn id="4" fill="hold">
+                            <p:stCondLst>
+                              <p:cond delay="0"/>
+                            </p:stCondLst>
+                            <p:childTnLst>
+                              <p:par>
+                                <p:cTn id="5" presetID="9" presetClass="entr" presetSubtype="0" fill="hold" grpId="0" nodeType="clickEffect">
+                                  <p:stCondLst>
+                                    <p:cond delay="0"/>
+                                  </p:stCondLst>
+                                  <p:childTnLst>
+                                    <p:set>
+                                      <p:cBhvr>
+                                        <p:cTn id="6" dur="1" fill="hold">
+                                          <p:stCondLst>
+                                            <p:cond delay="0"/>
+                                          </p:stCondLst>
+                                        </p:cTn>
+                                        <p:tgtEl>
+                                          <p:spTgt spid="3"/>
+                                        </p:tgtEl>
+                                        <p:attrNameLst>
+                                          <p:attrName>style.visibility</p:attrName>
+                                        </p:attrNameLst>
+                                      </p:cBhvr>
+                                      <p:to>
+                                        <p:strVal val="visible"/>
+                                      </p:to>
+                                    </p:set>
+                                    <p:animEffect transition="in" filter="dissolve">
+                                      <p:cBhvr>
+                                        <p:cTn id="7" dur="500"/>
+                                        <p:tgtEl>
+                                          <p:spTgt spid="3"/>
+                                        </p:tgtEl>
+                                      </p:cBhvr>
+                                    </p:animEffect>
+                                  </p:childTnLst>
+                                </p:cTn>
+                              </p:par>
+                            </p:childTnLst>
+                          </p:cTn>
+                        </p:par>
+                      </p:childTnLst>
+                    </p:cTn>
+                  </p:par>
+                </p:childTnLst>
+              </p:cTn>
+              <p:prevCondLst>
+                <p:cond evt="onPrev" delay="0">
+                  <p:tgtEl>
+                    <p:sldTgt/>
+                  </p:tgtEl>
+                </p:cond>
+              </p:prevCondLst>
+              <p:nextCondLst>
+                <p:cond evt="onNext" delay="0">
+                  <p:tgtEl>
+                    <p:sldTgt/>
+                  </p:tgtEl>
+                </p:cond>
+              </p:nextCondLst>
+            </p:seq>
+          </p:childTnLst>
+        </p:cTn>
+      </p:par>
+    </p:tnLst>
+    <p:bldLst>
+      <p:bldP spid="3" grpId="0" animBg="1"/>
+    </p:bldLst>
+  </p:timing>
+</p:sld>
+</file>
+
+<file path=ppt/slides/slide8.xml><?xml version="1.0" encoding="utf-8"?>
+<p:sld xmlns:a="http://schemas.openxmlformats.org/drawingml/2006/main" xmlns:r="http://schemas.openxmlformats.org/officeDocument/2006/relationships" xmlns:p="http://schemas.openxmlformats.org/presentationml/2006/main">
+  <p:cSld>
+    <p:spTree>
+      <p:nvGrpSpPr>
+        <p:cNvPr id="1" name=""/>
+        <p:cNvGrpSpPr/>
+        <p:nvPr/>
+      </p:nvGrpSpPr>
+      <p:grpSpPr>
+        <a:xfrm>
+          <a:off x="0" y="0"/>
+          <a:ext cx="0" cy="0"/>
+          <a:chOff x="0" y="0"/>
+          <a:chExt cx="0" cy="0"/>
+        </a:xfrm>
+      </p:grpSpPr>
+      <p:sp>
+        <p:nvSpPr>
           <p:cNvPr id="2" name="Title 1">
             <a:extLst>
               <a:ext uri="{FF2B5EF4-FFF2-40B4-BE49-F238E27FC236}">
@@ -4529,7 +6417,7 @@
           <a:graphicData uri="http://schemas.openxmlformats.org/presentationml/2006/ole">
             <mc:AlternateContent xmlns:mc="http://schemas.openxmlformats.org/markup-compatibility/2006">
               <mc:Choice xmlns:v="urn:schemas-microsoft-com:vml" Requires="v">
-                <p:oleObj spid="_x0000_s1025" name="Worksheet" r:id="rId4" imgW="9525000" imgH="3213100" progId="Excel.Sheet.12">
+                <p:oleObj spid="_x0000_s1032" name="Worksheet" r:id="rId4" imgW="9525000" imgH="3213100" progId="Excel.Sheet.12">
                   <p:embed/>
                 </p:oleObj>
               </mc:Choice>
@@ -4723,7 +6611,7 @@
 </p:sld>
 </file>
 
-<file path=ppt/slides/slide5.xml><?xml version="1.0" encoding="utf-8"?>
+<file path=ppt/slides/slide9.xml><?xml version="1.0" encoding="utf-8"?>
 <p:sld xmlns:a="http://schemas.openxmlformats.org/drawingml/2006/main" xmlns:r="http://schemas.openxmlformats.org/officeDocument/2006/relationships" xmlns:p="http://schemas.openxmlformats.org/presentationml/2006/main">
   <p:cSld>
     <p:spTree>
@@ -4742,261 +6630,354 @@
       </p:grpSpPr>
       <p:sp>
         <p:nvSpPr>
-          <p:cNvPr id="2" name="Title 1"/>
+          <p:cNvPr id="2" name="Title 1">
+            <a:extLst>
+              <a:ext uri="{FF2B5EF4-FFF2-40B4-BE49-F238E27FC236}">
+                <a16:creationId xmlns:a16="http://schemas.microsoft.com/office/drawing/2014/main" id="{443FD3EE-6698-4602-B4C0-718F014616A4}"/>
+              </a:ext>
+            </a:extLst>
+          </p:cNvPr>
           <p:cNvSpPr>
             <a:spLocks noGrp="1"/>
           </p:cNvSpPr>
           <p:nvPr>
             <p:ph type="title"/>
           </p:nvPr>
+        </p:nvSpPr>
+        <p:spPr/>
+        <p:txBody>
+          <a:bodyPr/>
+          <a:lstStyle/>
+          <a:p>
+            <a:r>
+              <a:rPr lang="en-US" dirty="0"/>
+              <a:t>Scrum Process &amp; Roles – Sprint Planning</a:t>
+            </a:r>
+          </a:p>
+        </p:txBody>
+      </p:sp>
+      <p:pic>
+        <p:nvPicPr>
+          <p:cNvPr id="1026" name="Picture 2" descr="https://upload.wikimedia.org/wikipedia/commons/d/df/Scrum_Framework.png">
+            <a:extLst>
+              <a:ext uri="{FF2B5EF4-FFF2-40B4-BE49-F238E27FC236}">
+                <a16:creationId xmlns:a16="http://schemas.microsoft.com/office/drawing/2014/main" id="{94D187A3-9AAC-4908-B843-2E262C28DBFE}"/>
+              </a:ext>
+            </a:extLst>
+          </p:cNvPr>
+          <p:cNvPicPr>
+            <a:picLocks noChangeAspect="1" noChangeArrowheads="1"/>
+          </p:cNvPicPr>
+          <p:nvPr/>
+        </p:nvPicPr>
+        <p:blipFill>
+          <a:blip r:embed="rId2">
+            <a:extLst>
+              <a:ext uri="{28A0092B-C50C-407E-A947-70E740481C1C}">
+                <a14:useLocalDpi xmlns:a14="http://schemas.microsoft.com/office/drawing/2010/main" val="0"/>
+              </a:ext>
+            </a:extLst>
+          </a:blip>
+          <a:srcRect/>
+          <a:stretch>
+            <a:fillRect/>
+          </a:stretch>
+        </p:blipFill>
+        <p:spPr bwMode="auto">
+          <a:xfrm>
+            <a:off x="2221847" y="1341064"/>
+            <a:ext cx="8138182" cy="4531099"/>
+          </a:xfrm>
+          <a:prstGeom prst="rect">
+            <a:avLst/>
+          </a:prstGeom>
+          <a:noFill/>
+          <a:extLst>
+            <a:ext uri="{909E8E84-426E-40DD-AFC4-6F175D3DCCD1}">
+              <a14:hiddenFill xmlns:a14="http://schemas.microsoft.com/office/drawing/2010/main">
+                <a:solidFill>
+                  <a:srgbClr val="FFFFFF"/>
+                </a:solidFill>
+              </a14:hiddenFill>
+            </a:ext>
+          </a:extLst>
+        </p:spPr>
+      </p:pic>
+      <p:sp>
+        <p:nvSpPr>
+          <p:cNvPr id="6" name="Rectangle 5">
+            <a:extLst>
+              <a:ext uri="{FF2B5EF4-FFF2-40B4-BE49-F238E27FC236}">
+                <a16:creationId xmlns:a16="http://schemas.microsoft.com/office/drawing/2014/main" id="{C5034F42-102F-445B-BE40-5AF1FC99349D}"/>
+              </a:ext>
+            </a:extLst>
+          </p:cNvPr>
+          <p:cNvSpPr/>
+          <p:nvPr/>
         </p:nvSpPr>
         <p:spPr>
           <a:xfrm>
-            <a:off x="838200" y="365126"/>
-            <a:ext cx="10515600" cy="757272"/>
-          </a:xfrm>
-        </p:spPr>
-        <p:txBody>
-          <a:bodyPr>
-            <a:normAutofit/>
-          </a:bodyPr>
-          <a:lstStyle/>
-          <a:p>
-            <a:r>
-              <a:rPr lang="en-US" sz="3600" dirty="0"/>
-              <a:t>Lab</a:t>
-            </a:r>
-            <a:endParaRPr lang="en-US" sz="3600" b="1" i="1" u="sng" dirty="0"/>
-          </a:p>
-        </p:txBody>
-      </p:sp>
-      <p:sp>
-        <p:nvSpPr>
-          <p:cNvPr id="3" name="Content Placeholder 2"/>
-          <p:cNvSpPr>
-            <a:spLocks noGrp="1"/>
-          </p:cNvSpPr>
-          <p:nvPr>
-            <p:ph idx="1"/>
-          </p:nvPr>
-        </p:nvSpPr>
-        <p:spPr>
-          <a:xfrm>
-            <a:off x="838200" y="1122399"/>
-            <a:ext cx="10718950" cy="3104544"/>
-          </a:xfrm>
-        </p:spPr>
-        <p:txBody>
-          <a:bodyPr>
-            <a:normAutofit/>
-          </a:bodyPr>
-          <a:lstStyle/>
-          <a:p>
-            <a:pPr marL="0" indent="0">
-              <a:buNone/>
-            </a:pPr>
-            <a:r>
-              <a:rPr lang="en-US" sz="2000" dirty="0"/>
-              <a:t>As A Scrum Team:</a:t>
-            </a:r>
-          </a:p>
-          <a:p>
-            <a:pPr marL="457200" indent="-457200">
-              <a:buFont typeface="+mj-lt"/>
-              <a:buAutoNum type="arabicPeriod"/>
-            </a:pPr>
-            <a:r>
-              <a:rPr lang="en-US" sz="2000" dirty="0"/>
-              <a:t>Mosaic</a:t>
-            </a:r>
-          </a:p>
-          <a:p>
-            <a:pPr marL="457200" indent="-457200">
-              <a:buFont typeface="+mj-lt"/>
-              <a:buAutoNum type="arabicPeriod"/>
-            </a:pPr>
-            <a:r>
-              <a:rPr lang="en-US" sz="2000" dirty="0"/>
-              <a:t>Team report out by new Scrum Master at 2:46</a:t>
-            </a:r>
-          </a:p>
-          <a:p>
-            <a:pPr marL="0" indent="0">
-              <a:buNone/>
-            </a:pPr>
-            <a:endParaRPr lang="en-US" sz="2000" dirty="0"/>
-          </a:p>
-          <a:p>
-            <a:pPr marL="0" indent="0">
-              <a:buNone/>
-            </a:pPr>
-            <a:endParaRPr lang="en-US" sz="2000" dirty="0"/>
-          </a:p>
-          <a:p>
-            <a:pPr marL="0" indent="0">
-              <a:buNone/>
-            </a:pPr>
-            <a:endParaRPr lang="en-US" sz="2000" dirty="0"/>
-          </a:p>
-        </p:txBody>
-      </p:sp>
-      <p:sp>
-        <p:nvSpPr>
-          <p:cNvPr id="4" name="Rectangle 3">
-            <a:extLst>
-              <a:ext uri="{FF2B5EF4-FFF2-40B4-BE49-F238E27FC236}">
-                <a16:creationId xmlns:a16="http://schemas.microsoft.com/office/drawing/2014/main" id="{26BADDFD-9BE3-0244-AE69-52D2BB47696A}"/>
-              </a:ext>
-            </a:extLst>
-          </p:cNvPr>
-          <p:cNvSpPr/>
-          <p:nvPr/>
-        </p:nvSpPr>
-        <p:spPr>
-          <a:xfrm>
-            <a:off x="838200" y="4649423"/>
-            <a:ext cx="10515600" cy="1754326"/>
+            <a:off x="3916346" y="6123543"/>
+            <a:ext cx="4749185" cy="369332"/>
           </a:xfrm>
           <a:prstGeom prst="rect">
             <a:avLst/>
           </a:prstGeom>
         </p:spPr>
         <p:txBody>
-          <a:bodyPr wrap="square">
+          <a:bodyPr wrap="none">
             <a:spAutoFit/>
           </a:bodyPr>
           <a:lstStyle/>
           <a:p>
             <a:r>
-              <a:rPr lang="en-US" u="sng" dirty="0"/>
-              <a:t>Team Report Out Guidelines</a:t>
-            </a:r>
-          </a:p>
-          <a:p>
-            <a:r>
               <a:rPr lang="en-US" dirty="0"/>
-              <a:t>Scrum Master will </a:t>
-            </a:r>
-            <a:r>
-              <a:rPr lang="en-US" u="sng" dirty="0"/>
-              <a:t>stand up, give your name, your team name</a:t>
+              <a:t>By </a:t>
+            </a:r>
+            <a:r>
+              <a:rPr lang="en-US" dirty="0" err="1">
+                <a:hlinkClick r:id="rId3" tooltip="User:Dr ian mitchell (page does not exist)"/>
+              </a:rPr>
+              <a:t>Dr</a:t>
+            </a:r>
+            <a:r>
+              <a:rPr lang="en-US" dirty="0">
+                <a:hlinkClick r:id="rId3" tooltip="User:Dr ian mitchell (page does not exist)"/>
+              </a:rPr>
+              <a:t> </a:t>
+            </a:r>
+            <a:r>
+              <a:rPr lang="en-US" dirty="0" err="1">
+                <a:hlinkClick r:id="rId3" tooltip="User:Dr ian mitchell (page does not exist)"/>
+              </a:rPr>
+              <a:t>ian</a:t>
+            </a:r>
+            <a:r>
+              <a:rPr lang="en-US" dirty="0">
+                <a:hlinkClick r:id="rId3" tooltip="User:Dr ian mitchell (page does not exist)"/>
+              </a:rPr>
+              <a:t> </a:t>
+            </a:r>
+            <a:r>
+              <a:rPr lang="en-US" dirty="0" err="1">
+                <a:hlinkClick r:id="rId3" tooltip="User:Dr ian mitchell (page does not exist)"/>
+              </a:rPr>
+              <a:t>mitchell</a:t>
             </a:r>
             <a:r>
               <a:rPr lang="en-US" dirty="0"/>
-              <a:t>, and briefly answer the following questions:</a:t>
-            </a:r>
-          </a:p>
-          <a:p>
-            <a:pPr marL="514350" indent="-514350">
-              <a:buFont typeface="+mj-lt"/>
-              <a:buAutoNum type="alphaLcParenR"/>
-            </a:pPr>
+              <a:t> - Own work, </a:t>
+            </a:r>
+            <a:r>
+              <a:rPr lang="en-US" dirty="0">
+                <a:hlinkClick r:id="rId4" tooltip="Creative Commons Attribution-Share Alike 4.0"/>
+              </a:rPr>
+              <a:t>CC BY-SA 4.0</a:t>
+            </a:r>
             <a:r>
               <a:rPr lang="en-US" dirty="0"/>
-              <a:t>What did you accomplish since the last meeting? And what will you be working on until the next meeting?</a:t>
-            </a:r>
-          </a:p>
-          <a:p>
-            <a:pPr marL="514350" indent="-514350">
-              <a:buFont typeface="+mj-lt"/>
-              <a:buAutoNum type="alphaLcParenR"/>
-            </a:pPr>
-            <a:r>
-              <a:rPr lang="en-US" dirty="0"/>
-              <a:t>Is the team committed to completing assignments? All/Most/Some</a:t>
-            </a:r>
-          </a:p>
-          <a:p>
-            <a:pPr marL="514350" indent="-514350">
-              <a:buFont typeface="+mj-lt"/>
-              <a:buAutoNum type="alphaLcParenR"/>
-            </a:pPr>
-            <a:r>
-              <a:rPr lang="en-US" dirty="0"/>
-              <a:t>What is getting in your way or keeping you from completing the assignments?</a:t>
-            </a:r>
+              <a:t>, </a:t>
+            </a:r>
+            <a:r>
+              <a:rPr lang="en-US" dirty="0">
+                <a:hlinkClick r:id="rId5"/>
+              </a:rPr>
+              <a:t>Link</a:t>
+            </a:r>
+            <a:endParaRPr lang="en-US" dirty="0"/>
+          </a:p>
+        </p:txBody>
+      </p:sp>
+      <p:sp>
+        <p:nvSpPr>
+          <p:cNvPr id="13" name="Oval 12">
+            <a:extLst>
+              <a:ext uri="{FF2B5EF4-FFF2-40B4-BE49-F238E27FC236}">
+                <a16:creationId xmlns:a16="http://schemas.microsoft.com/office/drawing/2014/main" id="{CB822028-AE62-4F61-8F14-297C0D4C1218}"/>
+              </a:ext>
+            </a:extLst>
+          </p:cNvPr>
+          <p:cNvSpPr/>
+          <p:nvPr/>
+        </p:nvSpPr>
+        <p:spPr>
+          <a:xfrm>
+            <a:off x="3492082" y="4266588"/>
+            <a:ext cx="1303578" cy="554229"/>
+          </a:xfrm>
+          <a:prstGeom prst="ellipse">
+            <a:avLst/>
+          </a:prstGeom>
+          <a:solidFill>
+            <a:schemeClr val="tx1">
+              <a:alpha val="0"/>
+            </a:schemeClr>
+          </a:solidFill>
+          <a:ln w="38100">
+            <a:solidFill>
+              <a:srgbClr val="C00000"/>
+            </a:solidFill>
+          </a:ln>
+        </p:spPr>
+        <p:style>
+          <a:lnRef idx="2">
+            <a:schemeClr val="accent1">
+              <a:shade val="50000"/>
+            </a:schemeClr>
+          </a:lnRef>
+          <a:fillRef idx="1">
+            <a:schemeClr val="accent1"/>
+          </a:fillRef>
+          <a:effectRef idx="0">
+            <a:schemeClr val="accent1"/>
+          </a:effectRef>
+          <a:fontRef idx="minor">
+            <a:schemeClr val="lt1"/>
+          </a:fontRef>
+        </p:style>
+        <p:txBody>
+          <a:bodyPr rtlCol="0" anchor="ctr"/>
+          <a:lstStyle/>
+          <a:p>
+            <a:pPr algn="ctr"/>
+            <a:endParaRPr lang="en-US"/>
           </a:p>
         </p:txBody>
       </p:sp>
     </p:spTree>
     <p:extLst>
       <p:ext uri="{BB962C8B-B14F-4D97-AF65-F5344CB8AC3E}">
-        <p14:creationId xmlns:p14="http://schemas.microsoft.com/office/powerpoint/2010/main" val="1188632697"/>
+        <p14:creationId xmlns:p14="http://schemas.microsoft.com/office/powerpoint/2010/main" val="1867146075"/>
       </p:ext>
     </p:extLst>
   </p:cSld>
   <p:clrMapOvr>
     <a:masterClrMapping/>
   </p:clrMapOvr>
-</p:sld>
-</file>
-
-<file path=ppt/slides/slide6.xml><?xml version="1.0" encoding="utf-8"?>
-<p:sld xmlns:a="http://schemas.openxmlformats.org/drawingml/2006/main" xmlns:r="http://schemas.openxmlformats.org/officeDocument/2006/relationships" xmlns:p="http://schemas.openxmlformats.org/presentationml/2006/main">
-  <p:cSld>
-    <p:bg>
-      <p:bgPr>
-        <a:solidFill>
-          <a:schemeClr val="bg1">
-            <a:lumMod val="85000"/>
-          </a:schemeClr>
-        </a:solidFill>
-        <a:effectLst/>
-      </p:bgPr>
-    </p:bg>
-    <p:spTree>
-      <p:nvGrpSpPr>
-        <p:cNvPr id="1" name=""/>
-        <p:cNvGrpSpPr/>
-        <p:nvPr/>
-      </p:nvGrpSpPr>
-      <p:grpSpPr>
-        <a:xfrm>
-          <a:off x="0" y="0"/>
-          <a:ext cx="0" cy="0"/>
-          <a:chOff x="0" y="0"/>
-          <a:chExt cx="0" cy="0"/>
-        </a:xfrm>
-      </p:grpSpPr>
-      <p:sp>
-        <p:nvSpPr>
-          <p:cNvPr id="2" name="Title 1"/>
-          <p:cNvSpPr>
-            <a:spLocks noGrp="1"/>
-          </p:cNvSpPr>
-          <p:nvPr>
-            <p:ph type="ctrTitle"/>
-          </p:nvPr>
-        </p:nvSpPr>
-        <p:spPr>
-          <a:xfrm>
-            <a:off x="1524000" y="3051480"/>
-            <a:ext cx="9144000" cy="755040"/>
-          </a:xfrm>
-        </p:spPr>
-        <p:txBody>
-          <a:bodyPr anchor="ctr">
-            <a:normAutofit/>
-          </a:bodyPr>
-          <a:lstStyle/>
-          <a:p>
-            <a:r>
-              <a:rPr lang="en-US" sz="4800" dirty="0"/>
-              <a:t>End of Session</a:t>
-            </a:r>
-          </a:p>
-        </p:txBody>
-      </p:sp>
-    </p:spTree>
-    <p:extLst>
-      <p:ext uri="{BB962C8B-B14F-4D97-AF65-F5344CB8AC3E}">
-        <p14:creationId xmlns:p14="http://schemas.microsoft.com/office/powerpoint/2010/main" val="3593438374"/>
-      </p:ext>
-    </p:extLst>
-  </p:cSld>
-  <p:clrMapOvr>
-    <a:masterClrMapping/>
-  </p:clrMapOvr>
+  <p:timing>
+    <p:tnLst>
+      <p:par>
+        <p:cTn id="1" dur="indefinite" restart="never" nodeType="tmRoot">
+          <p:childTnLst>
+            <p:seq concurrent="1" nextAc="seek">
+              <p:cTn id="2" dur="indefinite" nodeType="mainSeq">
+                <p:childTnLst>
+                  <p:par>
+                    <p:cTn id="3" fill="hold">
+                      <p:stCondLst>
+                        <p:cond delay="indefinite"/>
+                      </p:stCondLst>
+                      <p:childTnLst>
+                        <p:par>
+                          <p:cTn id="4" fill="hold">
+                            <p:stCondLst>
+                              <p:cond delay="0"/>
+                            </p:stCondLst>
+                            <p:childTnLst>
+                              <p:par>
+                                <p:cTn id="5" presetID="2" presetClass="entr" presetSubtype="4" fill="hold" grpId="0" nodeType="clickEffect">
+                                  <p:stCondLst>
+                                    <p:cond delay="0"/>
+                                  </p:stCondLst>
+                                  <p:childTnLst>
+                                    <p:set>
+                                      <p:cBhvr>
+                                        <p:cTn id="6" dur="1" fill="hold">
+                                          <p:stCondLst>
+                                            <p:cond delay="0"/>
+                                          </p:stCondLst>
+                                        </p:cTn>
+                                        <p:tgtEl>
+                                          <p:spTgt spid="13"/>
+                                        </p:tgtEl>
+                                        <p:attrNameLst>
+                                          <p:attrName>style.visibility</p:attrName>
+                                        </p:attrNameLst>
+                                      </p:cBhvr>
+                                      <p:to>
+                                        <p:strVal val="visible"/>
+                                      </p:to>
+                                    </p:set>
+                                    <p:anim calcmode="lin" valueType="num">
+                                      <p:cBhvr additive="base">
+                                        <p:cTn id="7" dur="500" fill="hold"/>
+                                        <p:tgtEl>
+                                          <p:spTgt spid="13"/>
+                                        </p:tgtEl>
+                                        <p:attrNameLst>
+                                          <p:attrName>ppt_x</p:attrName>
+                                        </p:attrNameLst>
+                                      </p:cBhvr>
+                                      <p:tavLst>
+                                        <p:tav tm="0">
+                                          <p:val>
+                                            <p:strVal val="#ppt_x"/>
+                                          </p:val>
+                                        </p:tav>
+                                        <p:tav tm="100000">
+                                          <p:val>
+                                            <p:strVal val="#ppt_x"/>
+                                          </p:val>
+                                        </p:tav>
+                                      </p:tavLst>
+                                    </p:anim>
+                                    <p:anim calcmode="lin" valueType="num">
+                                      <p:cBhvr additive="base">
+                                        <p:cTn id="8" dur="500" fill="hold"/>
+                                        <p:tgtEl>
+                                          <p:spTgt spid="13"/>
+                                        </p:tgtEl>
+                                        <p:attrNameLst>
+                                          <p:attrName>ppt_y</p:attrName>
+                                        </p:attrNameLst>
+                                      </p:cBhvr>
+                                      <p:tavLst>
+                                        <p:tav tm="0">
+                                          <p:val>
+                                            <p:strVal val="1+#ppt_h/2"/>
+                                          </p:val>
+                                        </p:tav>
+                                        <p:tav tm="100000">
+                                          <p:val>
+                                            <p:strVal val="#ppt_y"/>
+                                          </p:val>
+                                        </p:tav>
+                                      </p:tavLst>
+                                    </p:anim>
+                                  </p:childTnLst>
+                                </p:cTn>
+                              </p:par>
+                            </p:childTnLst>
+                          </p:cTn>
+                        </p:par>
+                      </p:childTnLst>
+                    </p:cTn>
+                  </p:par>
+                </p:childTnLst>
+              </p:cTn>
+              <p:prevCondLst>
+                <p:cond evt="onPrev" delay="0">
+                  <p:tgtEl>
+                    <p:sldTgt/>
+                  </p:tgtEl>
+                </p:cond>
+              </p:prevCondLst>
+              <p:nextCondLst>
+                <p:cond evt="onNext" delay="0">
+                  <p:tgtEl>
+                    <p:sldTgt/>
+                  </p:tgtEl>
+                </p:cond>
+              </p:nextCondLst>
+            </p:seq>
+          </p:childTnLst>
+        </p:cTn>
+      </p:par>
+    </p:tnLst>
+    <p:bldLst>
+      <p:bldP spid="13" grpId="0" animBg="1"/>
+    </p:bldLst>
+  </p:timing>
 </p:sld>
 </file>
 
